--- a/vortrag/Algorithmische Zahlentheorie Präsentation v.0.5 .pptx
+++ b/vortrag/Algorithmische Zahlentheorie Präsentation v.0.5 .pptx
@@ -5,7 +5,7 @@
     <p:sldMasterId id="2147483648" r:id="rId1"/>
   </p:sldMasterIdLst>
   <p:notesMasterIdLst>
-    <p:notesMasterId r:id="rId25"/>
+    <p:notesMasterId r:id="rId28"/>
   </p:notesMasterIdLst>
   <p:sldIdLst>
     <p:sldId id="257" r:id="rId2"/>
@@ -19,23 +19,26 @@
     <p:sldId id="294" r:id="rId10"/>
     <p:sldId id="295" r:id="rId11"/>
     <p:sldId id="296" r:id="rId12"/>
-    <p:sldId id="261" r:id="rId13"/>
-    <p:sldId id="278" r:id="rId14"/>
-    <p:sldId id="281" r:id="rId15"/>
-    <p:sldId id="280" r:id="rId16"/>
-    <p:sldId id="282" r:id="rId17"/>
-    <p:sldId id="279" r:id="rId18"/>
-    <p:sldId id="283" r:id="rId19"/>
-    <p:sldId id="284" r:id="rId20"/>
-    <p:sldId id="285" r:id="rId21"/>
-    <p:sldId id="290" r:id="rId22"/>
-    <p:sldId id="275" r:id="rId23"/>
-    <p:sldId id="291" r:id="rId24"/>
+    <p:sldId id="297" r:id="rId13"/>
+    <p:sldId id="298" r:id="rId14"/>
+    <p:sldId id="299" r:id="rId15"/>
+    <p:sldId id="261" r:id="rId16"/>
+    <p:sldId id="278" r:id="rId17"/>
+    <p:sldId id="281" r:id="rId18"/>
+    <p:sldId id="280" r:id="rId19"/>
+    <p:sldId id="282" r:id="rId20"/>
+    <p:sldId id="279" r:id="rId21"/>
+    <p:sldId id="283" r:id="rId22"/>
+    <p:sldId id="284" r:id="rId23"/>
+    <p:sldId id="285" r:id="rId24"/>
+    <p:sldId id="290" r:id="rId25"/>
+    <p:sldId id="275" r:id="rId26"/>
+    <p:sldId id="291" r:id="rId27"/>
   </p:sldIdLst>
   <p:sldSz cx="10693400" cy="7562850"/>
   <p:notesSz cx="6858000" cy="9144000"/>
   <p:custDataLst>
-    <p:tags r:id="rId26"/>
+    <p:tags r:id="rId29"/>
   </p:custDataLst>
   <p:defaultTextStyle>
     <a:defPPr>
@@ -936,7 +939,7 @@
             <a:fld id="{932B0C62-07EA-4146-9798-A0A17F7FEF9F}" type="slidenum">
               <a:rPr lang="de-DE" smtClean="0"/>
               <a:pPr/>
-              <a:t>12</a:t>
+              <a:t>15</a:t>
             </a:fld>
             <a:endParaRPr lang="de-DE" dirty="0"/>
           </a:p>
@@ -1038,7 +1041,7 @@
             <a:fld id="{932B0C62-07EA-4146-9798-A0A17F7FEF9F}" type="slidenum">
               <a:rPr lang="de-DE" smtClean="0"/>
               <a:pPr/>
-              <a:t>21</a:t>
+              <a:t>24</a:t>
             </a:fld>
             <a:endParaRPr lang="de-DE" dirty="0"/>
           </a:p>
@@ -1140,7 +1143,7 @@
             <a:fld id="{932B0C62-07EA-4146-9798-A0A17F7FEF9F}" type="slidenum">
               <a:rPr lang="de-DE" smtClean="0"/>
               <a:pPr/>
-              <a:t>23</a:t>
+              <a:t>26</a:t>
             </a:fld>
             <a:endParaRPr lang="de-DE" dirty="0"/>
           </a:p>
@@ -1291,7 +1294,7 @@
             <a:fld id="{932B0C62-07EA-4146-9798-A0A17F7FEF9F}" type="slidenum">
               <a:rPr lang="de-DE" smtClean="0"/>
               <a:pPr/>
-              <a:t>13</a:t>
+              <a:t>16</a:t>
             </a:fld>
             <a:endParaRPr lang="de-DE" dirty="0"/>
           </a:p>
@@ -1474,7 +1477,7 @@
             <a:fld id="{932B0C62-07EA-4146-9798-A0A17F7FEF9F}" type="slidenum">
               <a:rPr lang="de-DE" smtClean="0"/>
               <a:pPr/>
-              <a:t>14</a:t>
+              <a:t>17</a:t>
             </a:fld>
             <a:endParaRPr lang="de-DE" dirty="0"/>
           </a:p>
@@ -1567,7 +1570,7 @@
             <a:fld id="{932B0C62-07EA-4146-9798-A0A17F7FEF9F}" type="slidenum">
               <a:rPr lang="de-DE" smtClean="0"/>
               <a:pPr/>
-              <a:t>15</a:t>
+              <a:t>18</a:t>
             </a:fld>
             <a:endParaRPr lang="de-DE" dirty="0"/>
           </a:p>
@@ -1656,7 +1659,7 @@
             <a:fld id="{932B0C62-07EA-4146-9798-A0A17F7FEF9F}" type="slidenum">
               <a:rPr lang="de-DE" smtClean="0"/>
               <a:pPr/>
-              <a:t>16</a:t>
+              <a:t>19</a:t>
             </a:fld>
             <a:endParaRPr lang="de-DE" dirty="0"/>
           </a:p>
@@ -1793,7 +1796,7 @@
             <a:fld id="{932B0C62-07EA-4146-9798-A0A17F7FEF9F}" type="slidenum">
               <a:rPr lang="de-DE" smtClean="0"/>
               <a:pPr/>
-              <a:t>17</a:t>
+              <a:t>20</a:t>
             </a:fld>
             <a:endParaRPr lang="de-DE" dirty="0"/>
           </a:p>
@@ -1939,7 +1942,7 @@
             <a:fld id="{932B0C62-07EA-4146-9798-A0A17F7FEF9F}" type="slidenum">
               <a:rPr lang="de-DE" smtClean="0"/>
               <a:pPr/>
-              <a:t>18</a:t>
+              <a:t>21</a:t>
             </a:fld>
             <a:endParaRPr lang="de-DE" dirty="0"/>
           </a:p>
@@ -2247,7 +2250,7 @@
             <a:fld id="{932B0C62-07EA-4146-9798-A0A17F7FEF9F}" type="slidenum">
               <a:rPr lang="de-DE" smtClean="0"/>
               <a:pPr/>
-              <a:t>19</a:t>
+              <a:t>22</a:t>
             </a:fld>
             <a:endParaRPr lang="de-DE" dirty="0"/>
           </a:p>
@@ -2637,7 +2640,7 @@
             <a:fld id="{932B0C62-07EA-4146-9798-A0A17F7FEF9F}" type="slidenum">
               <a:rPr lang="de-DE" smtClean="0"/>
               <a:pPr/>
-              <a:t>20</a:t>
+              <a:t>23</a:t>
             </a:fld>
             <a:endParaRPr lang="de-DE" dirty="0"/>
           </a:p>
@@ -5192,11 +5195,7 @@
           <a:p>
             <a:r>
               <a:rPr lang="de-DE" sz="1000" dirty="0" smtClean="0"/>
-              <a:t>M. Reichenbach, M. Rohde, </a:t>
-            </a:r>
-            <a:r>
-              <a:rPr lang="de-DE" sz="1000" dirty="0" smtClean="0"/>
-              <a:t>07.01.2016</a:t>
+              <a:t>M. Reichenbach, M. Rohde, 07.01.2016</a:t>
             </a:r>
             <a:endParaRPr lang="de-DE" sz="1000" dirty="0"/>
           </a:p>
@@ -5293,24 +5292,49 @@
           <a:bodyPr/>
           <a:lstStyle/>
           <a:p>
+            <a:pPr lvl="1"/>
             <a:r>
               <a:rPr lang="de-DE" dirty="0"/>
               <a:t>Funktion: </a:t>
             </a:r>
-          </a:p>
-          <a:p>
+            <a:r>
+              <a:rPr lang="de-DE" dirty="0" smtClean="0"/>
+              <a:t/>
+            </a:r>
+            <a:br>
+              <a:rPr lang="de-DE" dirty="0" smtClean="0"/>
+            </a:br>
+            <a:r>
+              <a:rPr lang="de-DE" dirty="0" smtClean="0"/>
+              <a:t>Durch </a:t>
+            </a:r>
             <a:r>
               <a:rPr lang="de-DE" dirty="0"/>
-              <a:t>Durch Streichen von vielfachen bereits bekannter Primzahlen bleiben die nächsten Primzahlen übrig</a:t>
-            </a:r>
-          </a:p>
-          <a:p>
+              <a:t>Streichen von vielfachen bereits bekannter Primzahlen bleiben die nächsten Primzahlen übrig</a:t>
+            </a:r>
+          </a:p>
+          <a:p>
+            <a:pPr lvl="1"/>
             <a:r>
               <a:rPr lang="de-DE" dirty="0"/>
-              <a:t>Beispiel an der Tafel</a:t>
-            </a:r>
-          </a:p>
-          <a:p>
+              <a:t>Beispiel an der </a:t>
+            </a:r>
+            <a:r>
+              <a:rPr lang="de-DE" dirty="0" smtClean="0"/>
+              <a:t>Tafel/</a:t>
+            </a:r>
+            <a:r>
+              <a:rPr lang="de-DE" dirty="0" err="1"/>
+              <a:t>B</a:t>
+            </a:r>
+            <a:r>
+              <a:rPr lang="de-DE" dirty="0" err="1" smtClean="0"/>
+              <a:t>eamer</a:t>
+            </a:r>
+            <a:endParaRPr lang="de-DE" dirty="0"/>
+          </a:p>
+          <a:p>
+            <a:pPr lvl="1"/>
             <a:r>
               <a:rPr lang="de-DE" dirty="0"/>
               <a:t>Die Laufzeit beträgt 2</a:t>
@@ -5534,6 +5558,44 @@
             </a:r>
           </a:p>
           <a:p>
+            <a:r>
+              <a:rPr lang="de-DE" dirty="0" smtClean="0"/>
+              <a:t>Im </a:t>
+            </a:r>
+            <a:r>
+              <a:rPr lang="de-DE" dirty="0"/>
+              <a:t>G</a:t>
+            </a:r>
+            <a:r>
+              <a:rPr lang="de-DE" dirty="0" smtClean="0"/>
+              <a:t>egensatz zum </a:t>
+            </a:r>
+            <a:r>
+              <a:rPr lang="de-DE" dirty="0" err="1" smtClean="0"/>
+              <a:t>fermatschen</a:t>
+            </a:r>
+            <a:r>
+              <a:rPr lang="de-DE" dirty="0" smtClean="0"/>
+              <a:t> </a:t>
+            </a:r>
+            <a:r>
+              <a:rPr lang="de-DE" dirty="0" smtClean="0"/>
+              <a:t>Primzahltest kann immer eine Basis gefunden werden, die eine </a:t>
+            </a:r>
+            <a:r>
+              <a:rPr lang="de-DE" dirty="0" err="1"/>
+              <a:t>C</a:t>
+            </a:r>
+            <a:r>
+              <a:rPr lang="de-DE" dirty="0" err="1" smtClean="0"/>
+              <a:t>armichaelzahl</a:t>
+            </a:r>
+            <a:r>
+              <a:rPr lang="de-DE" dirty="0" smtClean="0"/>
+              <a:t> erkennt.</a:t>
+            </a:r>
+          </a:p>
+          <a:p>
             <a:endParaRPr lang="nn-NO" dirty="0" smtClean="0"/>
           </a:p>
         </p:txBody>
@@ -5605,6 +5667,288 @@
       </p:grpSpPr>
       <p:sp>
         <p:nvSpPr>
+          <p:cNvPr id="2" name="Titel 1"/>
+          <p:cNvSpPr>
+            <a:spLocks noGrp="1"/>
+          </p:cNvSpPr>
+          <p:nvPr>
+            <p:ph type="title"/>
+          </p:nvPr>
+        </p:nvSpPr>
+        <p:spPr/>
+        <p:txBody>
+          <a:bodyPr/>
+          <a:lstStyle/>
+          <a:p>
+            <a:r>
+              <a:rPr lang="de-DE" dirty="0" smtClean="0"/>
+              <a:t>Primzahlen</a:t>
+            </a:r>
+            <a:br>
+              <a:rPr lang="de-DE" dirty="0" smtClean="0"/>
+            </a:br>
+            <a:r>
+              <a:rPr lang="de-DE" sz="2400" b="0" i="1" dirty="0"/>
+              <a:t>Miller-Rabin-Primzahltest</a:t>
+            </a:r>
+            <a:r>
+              <a:rPr lang="de-DE" b="0" dirty="0"/>
+              <a:t/>
+            </a:r>
+            <a:br>
+              <a:rPr lang="de-DE" b="0" dirty="0"/>
+            </a:br>
+            <a:r>
+              <a:rPr lang="de-DE" b="0" dirty="0" smtClean="0"/>
+              <a:t/>
+            </a:r>
+            <a:br>
+              <a:rPr lang="de-DE" b="0" dirty="0" smtClean="0"/>
+            </a:br>
+            <a:endParaRPr lang="de-DE" sz="2400" b="0" i="1" dirty="0"/>
+          </a:p>
+        </p:txBody>
+      </p:sp>
+      <mc:AlternateContent xmlns:mc="http://schemas.openxmlformats.org/markup-compatibility/2006" xmlns:a14="http://schemas.microsoft.com/office/drawing/2010/main">
+        <mc:Choice Requires="a14">
+          <p:sp>
+            <p:nvSpPr>
+              <p:cNvPr id="3" name="Inhaltsplatzhalter 2"/>
+              <p:cNvSpPr>
+                <a:spLocks noGrp="1"/>
+              </p:cNvSpPr>
+              <p:nvPr>
+                <p:ph idx="1"/>
+              </p:nvPr>
+            </p:nvSpPr>
+            <p:spPr/>
+            <p:txBody>
+              <a:bodyPr/>
+              <a:lstStyle/>
+              <a:p>
+                <a:r>
+                  <a:rPr lang="nn-NO" dirty="0" smtClean="0"/>
+                  <a:t>Testprinzip:</a:t>
+                </a:r>
+              </a:p>
+              <a:p>
+                <a:r>
+                  <a:rPr lang="nn-NO" dirty="0" smtClean="0"/>
+                  <a:t>Ein weiteres Kriterium für die Primheit muss gefunden werden!</a:t>
+                </a:r>
+              </a:p>
+              <a:p>
+                <a:r>
+                  <a:rPr lang="nn-NO" dirty="0" smtClean="0"/>
+                  <a:t>Dazu werden die Quadrate der Basen modulo n gerechnet. Weil: </a:t>
+                </a:r>
+                <a:br>
+                  <a:rPr lang="nn-NO" dirty="0" smtClean="0"/>
+                </a:br>
+                <a:r>
+                  <a:rPr lang="nn-NO" dirty="0" smtClean="0"/>
+                  <a:t>Wenn eine Zahl n eine Primzahl ist, ist </a:t>
+                </a:r>
+                <a14:m>
+                  <m:oMath xmlns:m="http://schemas.openxmlformats.org/officeDocument/2006/math">
+                    <m:sSub>
+                      <m:sSubPr>
+                        <m:ctrlPr>
+                          <a:rPr lang="de-DE" b="0" i="1" smtClean="0">
+                            <a:latin typeface="Cambria Math" panose="02040503050406030204" pitchFamily="18" charset="0"/>
+                            <a:ea typeface="Cambria Math" panose="02040503050406030204" pitchFamily="18" charset="0"/>
+                          </a:rPr>
+                        </m:ctrlPr>
+                      </m:sSubPr>
+                      <m:e>
+                        <m:r>
+                          <a:rPr lang="de-DE" i="1">
+                            <a:latin typeface="Cambria Math" panose="02040503050406030204" pitchFamily="18" charset="0"/>
+                            <a:ea typeface="Cambria Math" panose="02040503050406030204" pitchFamily="18" charset="0"/>
+                          </a:rPr>
+                          <m:t>ℤ</m:t>
+                        </m:r>
+                      </m:e>
+                      <m:sub>
+                        <m:r>
+                          <a:rPr lang="de-DE" b="0" i="1" smtClean="0">
+                            <a:latin typeface="Cambria Math" panose="02040503050406030204" pitchFamily="18" charset="0"/>
+                            <a:ea typeface="Cambria Math" panose="02040503050406030204" pitchFamily="18" charset="0"/>
+                          </a:rPr>
+                          <m:t>𝑛</m:t>
+                        </m:r>
+                      </m:sub>
+                    </m:sSub>
+                  </m:oMath>
+                </a14:m>
+                <a:r>
+                  <a:rPr lang="nn-NO" dirty="0" smtClean="0"/>
+                  <a:t> ein Körper </a:t>
+                </a:r>
+                <a14:m>
+                  <m:oMath xmlns:m="http://schemas.openxmlformats.org/officeDocument/2006/math">
+                    <m:sSubSup>
+                      <m:sSubSupPr>
+                        <m:ctrlPr>
+                          <a:rPr lang="el-GR" i="1">
+                            <a:latin typeface="Cambria Math" panose="02040503050406030204" pitchFamily="18" charset="0"/>
+                            <a:ea typeface="Cambria Math" panose="02040503050406030204" pitchFamily="18" charset="0"/>
+                          </a:rPr>
+                        </m:ctrlPr>
+                      </m:sSubSupPr>
+                      <m:e>
+                        <m:r>
+                          <m:rPr>
+                            <m:sty m:val="p"/>
+                          </m:rPr>
+                          <a:rPr lang="el-GR" i="1">
+                            <a:latin typeface="Cambria Math" panose="02040503050406030204" pitchFamily="18" charset="0"/>
+                            <a:ea typeface="Cambria Math" panose="02040503050406030204" pitchFamily="18" charset="0"/>
+                          </a:rPr>
+                          <m:t>Ϝ</m:t>
+                        </m:r>
+                      </m:e>
+                      <m:sub>
+                        <m:r>
+                          <a:rPr lang="de-DE" i="1">
+                            <a:latin typeface="Cambria Math" panose="02040503050406030204" pitchFamily="18" charset="0"/>
+                            <a:ea typeface="Cambria Math" panose="02040503050406030204" pitchFamily="18" charset="0"/>
+                          </a:rPr>
+                          <m:t>𝑝</m:t>
+                        </m:r>
+                      </m:sub>
+                      <m:sup>
+                        <m:r>
+                          <a:rPr lang="de-DE" i="1">
+                            <a:latin typeface="Cambria Math" panose="02040503050406030204" pitchFamily="18" charset="0"/>
+                            <a:ea typeface="Cambria Math" panose="02040503050406030204" pitchFamily="18" charset="0"/>
+                          </a:rPr>
+                          <m:t>∗</m:t>
+                        </m:r>
+                      </m:sup>
+                    </m:sSubSup>
+                  </m:oMath>
+                </a14:m>
+                <a:r>
+                  <a:rPr lang="nn-NO" dirty="0" smtClean="0"/>
+                  <a:t>.</a:t>
+                </a:r>
+              </a:p>
+              <a:p>
+                <a:pPr marL="342900" indent="-342900">
+                  <a:buFont typeface="Symbol" panose="05050102010706020507" pitchFamily="18" charset="2"/>
+                  <a:buChar char="Þ"/>
+                </a:pPr>
+                <a:r>
+                  <a:rPr lang="nn-NO" dirty="0" smtClean="0"/>
+                  <a:t>In einem Körper gibt es nur 2 Lösungen der Gleichung x</a:t>
+                </a:r>
+                <a:r>
+                  <a:rPr lang="nn-NO" baseline="30000" dirty="0" smtClean="0"/>
+                  <a:t>2</a:t>
+                </a:r>
+                <a:r>
+                  <a:rPr lang="nn-NO" dirty="0" smtClean="0"/>
+                  <a:t>=1  (1 und -1 bzw. p-1)</a:t>
+                </a:r>
+              </a:p>
+              <a:p>
+                <a:pPr marL="342900" indent="-342900">
+                  <a:buFont typeface="Symbol" panose="05050102010706020507" pitchFamily="18" charset="2"/>
+                  <a:buChar char="Þ"/>
+                </a:pPr>
+                <a:r>
+                  <a:rPr lang="nn-NO" dirty="0" smtClean="0"/>
+                  <a:t>Gibt es also mehr als 2 Lösungen kann </a:t>
+                </a:r>
+                <a14:m>
+                  <m:oMath xmlns:m="http://schemas.openxmlformats.org/officeDocument/2006/math">
+                    <m:sSubSup>
+                      <m:sSubSupPr>
+                        <m:ctrlPr>
+                          <a:rPr lang="el-GR" i="1" smtClean="0">
+                            <a:latin typeface="Cambria Math" panose="02040503050406030204" pitchFamily="18" charset="0"/>
+                            <a:ea typeface="Cambria Math" panose="02040503050406030204" pitchFamily="18" charset="0"/>
+                          </a:rPr>
+                        </m:ctrlPr>
+                      </m:sSubSupPr>
+                      <m:e>
+                        <m:r>
+                          <m:rPr>
+                            <m:sty m:val="p"/>
+                          </m:rPr>
+                          <a:rPr lang="el-GR" i="1" smtClean="0">
+                            <a:latin typeface="Cambria Math" panose="02040503050406030204" pitchFamily="18" charset="0"/>
+                            <a:ea typeface="Cambria Math" panose="02040503050406030204" pitchFamily="18" charset="0"/>
+                          </a:rPr>
+                          <m:t>Ϝ</m:t>
+                        </m:r>
+                      </m:e>
+                      <m:sub>
+                        <m:r>
+                          <a:rPr lang="de-DE" b="0" i="1" smtClean="0">
+                            <a:latin typeface="Cambria Math" panose="02040503050406030204" pitchFamily="18" charset="0"/>
+                            <a:ea typeface="Cambria Math" panose="02040503050406030204" pitchFamily="18" charset="0"/>
+                          </a:rPr>
+                          <m:t>𝑝</m:t>
+                        </m:r>
+                      </m:sub>
+                      <m:sup>
+                        <m:r>
+                          <a:rPr lang="de-DE" b="0" i="1" smtClean="0">
+                            <a:latin typeface="Cambria Math" panose="02040503050406030204" pitchFamily="18" charset="0"/>
+                            <a:ea typeface="Cambria Math" panose="02040503050406030204" pitchFamily="18" charset="0"/>
+                          </a:rPr>
+                          <m:t>∗</m:t>
+                        </m:r>
+                      </m:sup>
+                    </m:sSubSup>
+                  </m:oMath>
+                </a14:m>
+                <a:r>
+                  <a:rPr lang="nn-NO" dirty="0" smtClean="0"/>
+                  <a:t> kein Körper sein und somit ist auch n keine Primzahl.</a:t>
+                </a:r>
+              </a:p>
+            </p:txBody>
+          </p:sp>
+        </mc:Choice>
+        <mc:Fallback xmlns="">
+          <p:sp>
+            <p:nvSpPr>
+              <p:cNvPr id="3" name="Inhaltsplatzhalter 2"/>
+              <p:cNvSpPr>
+                <a:spLocks noGrp="1" noRot="1" noChangeAspect="1" noMove="1" noResize="1" noEditPoints="1" noAdjustHandles="1" noChangeArrowheads="1" noChangeShapeType="1" noTextEdit="1"/>
+              </p:cNvSpPr>
+              <p:nvPr>
+                <p:ph idx="1"/>
+              </p:nvPr>
+            </p:nvSpPr>
+            <p:spPr>
+              <a:blipFill>
+                <a:blip r:embed="rId2"/>
+                <a:stretch>
+                  <a:fillRect l="-1881" t="-1617"/>
+                </a:stretch>
+              </a:blipFill>
+            </p:spPr>
+            <p:txBody>
+              <a:bodyPr/>
+              <a:lstStyle/>
+              <a:p>
+                <a:r>
+                  <a:rPr lang="de-DE">
+                    <a:noFill/>
+                  </a:rPr>
+                  <a:t> </a:t>
+                </a:r>
+              </a:p>
+            </p:txBody>
+          </p:sp>
+        </mc:Fallback>
+      </mc:AlternateContent>
+      <p:sp>
+        <p:nvSpPr>
           <p:cNvPr id="4" name="Foliennummernplatzhalter 3"/>
           <p:cNvSpPr>
             <a:spLocks noGrp="1"/>
@@ -5619,13 +5963,772 @@
           <a:lstStyle/>
           <a:p>
             <a:r>
+              <a:rPr lang="de-DE" smtClean="0"/>
+              <a:t>Seite </a:t>
+            </a:r>
+            <a:fld id="{1B189BCE-72B6-4347-8C11-17284F861EDC}" type="slidenum">
+              <a:rPr lang="de-DE" smtClean="0"/>
+              <a:pPr/>
+              <a:t>12</a:t>
+            </a:fld>
+            <a:endParaRPr lang="de-DE" dirty="0"/>
+          </a:p>
+        </p:txBody>
+      </p:sp>
+    </p:spTree>
+    <p:extLst>
+      <p:ext uri="{BB962C8B-B14F-4D97-AF65-F5344CB8AC3E}">
+        <p14:creationId xmlns:p14="http://schemas.microsoft.com/office/powerpoint/2010/main" val="319669658"/>
+      </p:ext>
+    </p:extLst>
+  </p:cSld>
+  <p:clrMapOvr>
+    <a:masterClrMapping/>
+  </p:clrMapOvr>
+  <p:timing>
+    <p:tnLst>
+      <p:par>
+        <p:cTn id="1" dur="indefinite" restart="never" nodeType="tmRoot"/>
+      </p:par>
+    </p:tnLst>
+  </p:timing>
+</p:sld>
+</file>
+
+<file path=ppt/slides/slide13.xml><?xml version="1.0" encoding="utf-8"?>
+<p:sld xmlns:a="http://schemas.openxmlformats.org/drawingml/2006/main" xmlns:r="http://schemas.openxmlformats.org/officeDocument/2006/relationships" xmlns:p="http://schemas.openxmlformats.org/presentationml/2006/main">
+  <p:cSld>
+    <p:spTree>
+      <p:nvGrpSpPr>
+        <p:cNvPr id="1" name=""/>
+        <p:cNvGrpSpPr/>
+        <p:nvPr/>
+      </p:nvGrpSpPr>
+      <p:grpSpPr>
+        <a:xfrm>
+          <a:off x="0" y="0"/>
+          <a:ext cx="0" cy="0"/>
+          <a:chOff x="0" y="0"/>
+          <a:chExt cx="0" cy="0"/>
+        </a:xfrm>
+      </p:grpSpPr>
+      <p:sp>
+        <p:nvSpPr>
+          <p:cNvPr id="2" name="Titel 1"/>
+          <p:cNvSpPr>
+            <a:spLocks noGrp="1"/>
+          </p:cNvSpPr>
+          <p:nvPr>
+            <p:ph type="title"/>
+          </p:nvPr>
+        </p:nvSpPr>
+        <p:spPr/>
+        <p:txBody>
+          <a:bodyPr/>
+          <a:lstStyle/>
+          <a:p>
+            <a:r>
+              <a:rPr lang="de-DE" dirty="0" smtClean="0"/>
+              <a:t>Primzahlen</a:t>
+            </a:r>
+            <a:br>
+              <a:rPr lang="de-DE" dirty="0" smtClean="0"/>
+            </a:br>
+            <a:r>
+              <a:rPr lang="de-DE" sz="2400" b="0" i="1" dirty="0"/>
+              <a:t>Miller-Rabin-Primzahltest</a:t>
+            </a:r>
+            <a:r>
+              <a:rPr lang="de-DE" b="0" dirty="0"/>
+              <a:t/>
+            </a:r>
+            <a:br>
+              <a:rPr lang="de-DE" b="0" dirty="0"/>
+            </a:br>
+            <a:r>
+              <a:rPr lang="de-DE" b="0" dirty="0" smtClean="0"/>
+              <a:t/>
+            </a:r>
+            <a:br>
+              <a:rPr lang="de-DE" b="0" dirty="0" smtClean="0"/>
+            </a:br>
+            <a:endParaRPr lang="de-DE" sz="2400" b="0" i="1" dirty="0"/>
+          </a:p>
+        </p:txBody>
+      </p:sp>
+      <mc:AlternateContent xmlns:mc="http://schemas.openxmlformats.org/markup-compatibility/2006" xmlns:a14="http://schemas.microsoft.com/office/drawing/2010/main">
+        <mc:Choice Requires="a14">
+          <p:sp>
+            <p:nvSpPr>
+              <p:cNvPr id="3" name="Inhaltsplatzhalter 2"/>
+              <p:cNvSpPr>
+                <a:spLocks noGrp="1"/>
+              </p:cNvSpPr>
+              <p:nvPr>
+                <p:ph idx="1"/>
+              </p:nvPr>
+            </p:nvSpPr>
+            <p:spPr/>
+            <p:txBody>
+              <a:bodyPr/>
+              <a:lstStyle/>
+              <a:p>
+                <a:r>
+                  <a:rPr lang="nn-NO" dirty="0" smtClean="0"/>
+                  <a:t>Testprinzip:</a:t>
+                </a:r>
+              </a:p>
+              <a:p>
+                <a:r>
+                  <a:rPr lang="nn-NO" dirty="0" smtClean="0"/>
+                  <a:t>Ein weiteres Kriterium für die Primheit muss gefunden werden!</a:t>
+                </a:r>
+              </a:p>
+              <a:p>
+                <a:r>
+                  <a:rPr lang="nn-NO" dirty="0" smtClean="0"/>
+                  <a:t>Dazu werden die Quadrate der Basen modulo n gerechnet. Weil: </a:t>
+                </a:r>
+                <a:br>
+                  <a:rPr lang="nn-NO" dirty="0" smtClean="0"/>
+                </a:br>
+                <a:r>
+                  <a:rPr lang="nn-NO" dirty="0" smtClean="0"/>
+                  <a:t>Wenn eine Zahl n eine Primzahl ist, ist </a:t>
+                </a:r>
+                <a14:m>
+                  <m:oMath xmlns:m="http://schemas.openxmlformats.org/officeDocument/2006/math">
+                    <m:sSub>
+                      <m:sSubPr>
+                        <m:ctrlPr>
+                          <a:rPr lang="de-DE" b="0" i="1" smtClean="0">
+                            <a:latin typeface="Cambria Math" panose="02040503050406030204" pitchFamily="18" charset="0"/>
+                            <a:ea typeface="Cambria Math" panose="02040503050406030204" pitchFamily="18" charset="0"/>
+                          </a:rPr>
+                        </m:ctrlPr>
+                      </m:sSubPr>
+                      <m:e>
+                        <m:r>
+                          <a:rPr lang="de-DE" i="1">
+                            <a:latin typeface="Cambria Math" panose="02040503050406030204" pitchFamily="18" charset="0"/>
+                            <a:ea typeface="Cambria Math" panose="02040503050406030204" pitchFamily="18" charset="0"/>
+                          </a:rPr>
+                          <m:t>ℤ</m:t>
+                        </m:r>
+                      </m:e>
+                      <m:sub>
+                        <m:r>
+                          <a:rPr lang="de-DE" b="0" i="1" smtClean="0">
+                            <a:latin typeface="Cambria Math" panose="02040503050406030204" pitchFamily="18" charset="0"/>
+                            <a:ea typeface="Cambria Math" panose="02040503050406030204" pitchFamily="18" charset="0"/>
+                          </a:rPr>
+                          <m:t>𝑛</m:t>
+                        </m:r>
+                      </m:sub>
+                    </m:sSub>
+                  </m:oMath>
+                </a14:m>
+                <a:r>
+                  <a:rPr lang="nn-NO" dirty="0" smtClean="0"/>
+                  <a:t> ein Körper </a:t>
+                </a:r>
+                <a14:m>
+                  <m:oMath xmlns:m="http://schemas.openxmlformats.org/officeDocument/2006/math">
+                    <m:sSubSup>
+                      <m:sSubSupPr>
+                        <m:ctrlPr>
+                          <a:rPr lang="el-GR" i="1">
+                            <a:latin typeface="Cambria Math" panose="02040503050406030204" pitchFamily="18" charset="0"/>
+                            <a:ea typeface="Cambria Math" panose="02040503050406030204" pitchFamily="18" charset="0"/>
+                          </a:rPr>
+                        </m:ctrlPr>
+                      </m:sSubSupPr>
+                      <m:e>
+                        <m:r>
+                          <m:rPr>
+                            <m:sty m:val="p"/>
+                          </m:rPr>
+                          <a:rPr lang="el-GR" i="1">
+                            <a:latin typeface="Cambria Math" panose="02040503050406030204" pitchFamily="18" charset="0"/>
+                            <a:ea typeface="Cambria Math" panose="02040503050406030204" pitchFamily="18" charset="0"/>
+                          </a:rPr>
+                          <m:t>Ϝ</m:t>
+                        </m:r>
+                      </m:e>
+                      <m:sub>
+                        <m:r>
+                          <a:rPr lang="de-DE" i="1">
+                            <a:latin typeface="Cambria Math" panose="02040503050406030204" pitchFamily="18" charset="0"/>
+                            <a:ea typeface="Cambria Math" panose="02040503050406030204" pitchFamily="18" charset="0"/>
+                          </a:rPr>
+                          <m:t>𝑝</m:t>
+                        </m:r>
+                      </m:sub>
+                      <m:sup>
+                        <m:r>
+                          <a:rPr lang="de-DE" i="1">
+                            <a:latin typeface="Cambria Math" panose="02040503050406030204" pitchFamily="18" charset="0"/>
+                            <a:ea typeface="Cambria Math" panose="02040503050406030204" pitchFamily="18" charset="0"/>
+                          </a:rPr>
+                          <m:t>∗</m:t>
+                        </m:r>
+                      </m:sup>
+                    </m:sSubSup>
+                  </m:oMath>
+                </a14:m>
+                <a:r>
+                  <a:rPr lang="nn-NO" dirty="0" smtClean="0"/>
+                  <a:t>.</a:t>
+                </a:r>
+              </a:p>
+              <a:p>
+                <a:pPr marL="342900" indent="-342900">
+                  <a:buFont typeface="Symbol" panose="05050102010706020507" pitchFamily="18" charset="2"/>
+                  <a:buChar char="Þ"/>
+                </a:pPr>
+                <a:r>
+                  <a:rPr lang="nn-NO" dirty="0" smtClean="0"/>
+                  <a:t>In einem Körper gibt es nur 2 Lösungen der Gleichung x</a:t>
+                </a:r>
+                <a:r>
+                  <a:rPr lang="nn-NO" baseline="30000" dirty="0" smtClean="0"/>
+                  <a:t>2</a:t>
+                </a:r>
+                <a:r>
+                  <a:rPr lang="nn-NO" dirty="0" smtClean="0"/>
+                  <a:t>=1  (1 und -1 bzw. p-1)</a:t>
+                </a:r>
+              </a:p>
+              <a:p>
+                <a:pPr marL="342900" indent="-342900">
+                  <a:buFont typeface="Symbol" panose="05050102010706020507" pitchFamily="18" charset="2"/>
+                  <a:buChar char="Þ"/>
+                </a:pPr>
+                <a:r>
+                  <a:rPr lang="nn-NO" dirty="0" smtClean="0"/>
+                  <a:t>Gibt es also mehr als 2 Lösungen kann </a:t>
+                </a:r>
+                <a14:m>
+                  <m:oMath xmlns:m="http://schemas.openxmlformats.org/officeDocument/2006/math">
+                    <m:sSubSup>
+                      <m:sSubSupPr>
+                        <m:ctrlPr>
+                          <a:rPr lang="el-GR" i="1" smtClean="0">
+                            <a:latin typeface="Cambria Math" panose="02040503050406030204" pitchFamily="18" charset="0"/>
+                            <a:ea typeface="Cambria Math" panose="02040503050406030204" pitchFamily="18" charset="0"/>
+                          </a:rPr>
+                        </m:ctrlPr>
+                      </m:sSubSupPr>
+                      <m:e>
+                        <m:r>
+                          <m:rPr>
+                            <m:sty m:val="p"/>
+                          </m:rPr>
+                          <a:rPr lang="el-GR" i="1" smtClean="0">
+                            <a:latin typeface="Cambria Math" panose="02040503050406030204" pitchFamily="18" charset="0"/>
+                            <a:ea typeface="Cambria Math" panose="02040503050406030204" pitchFamily="18" charset="0"/>
+                          </a:rPr>
+                          <m:t>Ϝ</m:t>
+                        </m:r>
+                      </m:e>
+                      <m:sub>
+                        <m:r>
+                          <a:rPr lang="de-DE" b="0" i="1" smtClean="0">
+                            <a:latin typeface="Cambria Math" panose="02040503050406030204" pitchFamily="18" charset="0"/>
+                            <a:ea typeface="Cambria Math" panose="02040503050406030204" pitchFamily="18" charset="0"/>
+                          </a:rPr>
+                          <m:t>𝑝</m:t>
+                        </m:r>
+                      </m:sub>
+                      <m:sup>
+                        <m:r>
+                          <a:rPr lang="de-DE" b="0" i="1" smtClean="0">
+                            <a:latin typeface="Cambria Math" panose="02040503050406030204" pitchFamily="18" charset="0"/>
+                            <a:ea typeface="Cambria Math" panose="02040503050406030204" pitchFamily="18" charset="0"/>
+                          </a:rPr>
+                          <m:t>∗</m:t>
+                        </m:r>
+                      </m:sup>
+                    </m:sSubSup>
+                  </m:oMath>
+                </a14:m>
+                <a:r>
+                  <a:rPr lang="nn-NO" dirty="0" smtClean="0"/>
+                  <a:t> kein Körper sein und somit ist auch n keine Primzahl.</a:t>
+                </a:r>
+              </a:p>
+            </p:txBody>
+          </p:sp>
+        </mc:Choice>
+        <mc:Fallback xmlns="">
+          <p:sp>
+            <p:nvSpPr>
+              <p:cNvPr id="3" name="Inhaltsplatzhalter 2"/>
+              <p:cNvSpPr>
+                <a:spLocks noGrp="1" noRot="1" noChangeAspect="1" noMove="1" noResize="1" noEditPoints="1" noAdjustHandles="1" noChangeArrowheads="1" noChangeShapeType="1" noTextEdit="1"/>
+              </p:cNvSpPr>
+              <p:nvPr>
+                <p:ph idx="1"/>
+              </p:nvPr>
+            </p:nvSpPr>
+            <p:spPr>
+              <a:blipFill>
+                <a:blip r:embed="rId2"/>
+                <a:stretch>
+                  <a:fillRect l="-1881" t="-1617"/>
+                </a:stretch>
+              </a:blipFill>
+            </p:spPr>
+            <p:txBody>
+              <a:bodyPr/>
+              <a:lstStyle/>
+              <a:p>
+                <a:r>
+                  <a:rPr lang="de-DE">
+                    <a:noFill/>
+                  </a:rPr>
+                  <a:t> </a:t>
+                </a:r>
+              </a:p>
+            </p:txBody>
+          </p:sp>
+        </mc:Fallback>
+      </mc:AlternateContent>
+      <p:sp>
+        <p:nvSpPr>
+          <p:cNvPr id="4" name="Foliennummernplatzhalter 3"/>
+          <p:cNvSpPr>
+            <a:spLocks noGrp="1"/>
+          </p:cNvSpPr>
+          <p:nvPr>
+            <p:ph type="sldNum" sz="quarter" idx="10"/>
+          </p:nvPr>
+        </p:nvSpPr>
+        <p:spPr/>
+        <p:txBody>
+          <a:bodyPr/>
+          <a:lstStyle/>
+          <a:p>
+            <a:r>
+              <a:rPr lang="de-DE" smtClean="0"/>
+              <a:t>Seite </a:t>
+            </a:r>
+            <a:fld id="{1B189BCE-72B6-4347-8C11-17284F861EDC}" type="slidenum">
+              <a:rPr lang="de-DE" smtClean="0"/>
+              <a:pPr/>
+              <a:t>13</a:t>
+            </a:fld>
+            <a:endParaRPr lang="de-DE" dirty="0"/>
+          </a:p>
+        </p:txBody>
+      </p:sp>
+    </p:spTree>
+    <p:extLst>
+      <p:ext uri="{BB962C8B-B14F-4D97-AF65-F5344CB8AC3E}">
+        <p14:creationId xmlns:p14="http://schemas.microsoft.com/office/powerpoint/2010/main" val="3981670168"/>
+      </p:ext>
+    </p:extLst>
+  </p:cSld>
+  <p:clrMapOvr>
+    <a:masterClrMapping/>
+  </p:clrMapOvr>
+  <p:timing>
+    <p:tnLst>
+      <p:par>
+        <p:cTn id="1" dur="indefinite" restart="never" nodeType="tmRoot"/>
+      </p:par>
+    </p:tnLst>
+  </p:timing>
+</p:sld>
+</file>
+
+<file path=ppt/slides/slide14.xml><?xml version="1.0" encoding="utf-8"?>
+<p:sld xmlns:a="http://schemas.openxmlformats.org/drawingml/2006/main" xmlns:r="http://schemas.openxmlformats.org/officeDocument/2006/relationships" xmlns:p="http://schemas.openxmlformats.org/presentationml/2006/main">
+  <p:cSld>
+    <p:spTree>
+      <p:nvGrpSpPr>
+        <p:cNvPr id="1" name=""/>
+        <p:cNvGrpSpPr/>
+        <p:nvPr/>
+      </p:nvGrpSpPr>
+      <p:grpSpPr>
+        <a:xfrm>
+          <a:off x="0" y="0"/>
+          <a:ext cx="0" cy="0"/>
+          <a:chOff x="0" y="0"/>
+          <a:chExt cx="0" cy="0"/>
+        </a:xfrm>
+      </p:grpSpPr>
+      <p:sp>
+        <p:nvSpPr>
+          <p:cNvPr id="2" name="Titel 1"/>
+          <p:cNvSpPr>
+            <a:spLocks noGrp="1"/>
+          </p:cNvSpPr>
+          <p:nvPr>
+            <p:ph type="title"/>
+          </p:nvPr>
+        </p:nvSpPr>
+        <p:spPr/>
+        <p:txBody>
+          <a:bodyPr/>
+          <a:lstStyle/>
+          <a:p>
+            <a:r>
+              <a:rPr lang="de-DE" dirty="0" smtClean="0"/>
+              <a:t>Primzahlen</a:t>
+            </a:r>
+            <a:br>
+              <a:rPr lang="de-DE" dirty="0" smtClean="0"/>
+            </a:br>
+            <a:r>
+              <a:rPr lang="de-DE" sz="2400" b="0" i="1" dirty="0"/>
+              <a:t>Miller-Rabin-Primzahltest</a:t>
+            </a:r>
+            <a:r>
+              <a:rPr lang="de-DE" b="0" dirty="0"/>
+              <a:t/>
+            </a:r>
+            <a:br>
+              <a:rPr lang="de-DE" b="0" dirty="0"/>
+            </a:br>
+            <a:r>
+              <a:rPr lang="de-DE" b="0" dirty="0" smtClean="0"/>
+              <a:t/>
+            </a:r>
+            <a:br>
+              <a:rPr lang="de-DE" b="0" dirty="0" smtClean="0"/>
+            </a:br>
+            <a:endParaRPr lang="de-DE" sz="2400" b="0" i="1" dirty="0"/>
+          </a:p>
+        </p:txBody>
+      </p:sp>
+      <mc:AlternateContent xmlns:mc="http://schemas.openxmlformats.org/markup-compatibility/2006" xmlns:a14="http://schemas.microsoft.com/office/drawing/2010/main">
+        <mc:Choice Requires="a14">
+          <p:sp>
+            <p:nvSpPr>
+              <p:cNvPr id="3" name="Inhaltsplatzhalter 2"/>
+              <p:cNvSpPr>
+                <a:spLocks noGrp="1"/>
+              </p:cNvSpPr>
+              <p:nvPr>
+                <p:ph idx="1"/>
+              </p:nvPr>
+            </p:nvSpPr>
+            <p:spPr/>
+            <p:txBody>
+              <a:bodyPr/>
+              <a:lstStyle/>
+              <a:p>
+                <a:r>
+                  <a:rPr lang="nn-NO" dirty="0" smtClean="0"/>
+                  <a:t>Testprinzip:</a:t>
+                </a:r>
+              </a:p>
+              <a:p>
+                <a:r>
+                  <a:rPr lang="nn-NO" dirty="0" smtClean="0"/>
+                  <a:t>Ein weiteres Kriterium für die Primheit muss gefunden werden!</a:t>
+                </a:r>
+              </a:p>
+              <a:p>
+                <a:r>
+                  <a:rPr lang="nn-NO" dirty="0" smtClean="0"/>
+                  <a:t>Dazu werden die Quadrate der Basen modulo n gerechnet. Weil: </a:t>
+                </a:r>
+                <a:br>
+                  <a:rPr lang="nn-NO" dirty="0" smtClean="0"/>
+                </a:br>
+                <a:r>
+                  <a:rPr lang="nn-NO" dirty="0" smtClean="0"/>
+                  <a:t>Wenn eine Zahl n eine Primzahl ist, ist </a:t>
+                </a:r>
+                <a14:m>
+                  <m:oMath xmlns:m="http://schemas.openxmlformats.org/officeDocument/2006/math">
+                    <m:sSub>
+                      <m:sSubPr>
+                        <m:ctrlPr>
+                          <a:rPr lang="de-DE" b="0" i="1" smtClean="0">
+                            <a:latin typeface="Cambria Math" panose="02040503050406030204" pitchFamily="18" charset="0"/>
+                            <a:ea typeface="Cambria Math" panose="02040503050406030204" pitchFamily="18" charset="0"/>
+                          </a:rPr>
+                        </m:ctrlPr>
+                      </m:sSubPr>
+                      <m:e>
+                        <m:r>
+                          <a:rPr lang="de-DE" i="1">
+                            <a:latin typeface="Cambria Math" panose="02040503050406030204" pitchFamily="18" charset="0"/>
+                            <a:ea typeface="Cambria Math" panose="02040503050406030204" pitchFamily="18" charset="0"/>
+                          </a:rPr>
+                          <m:t>ℤ</m:t>
+                        </m:r>
+                      </m:e>
+                      <m:sub>
+                        <m:r>
+                          <a:rPr lang="de-DE" b="0" i="1" smtClean="0">
+                            <a:latin typeface="Cambria Math" panose="02040503050406030204" pitchFamily="18" charset="0"/>
+                            <a:ea typeface="Cambria Math" panose="02040503050406030204" pitchFamily="18" charset="0"/>
+                          </a:rPr>
+                          <m:t>𝑛</m:t>
+                        </m:r>
+                      </m:sub>
+                    </m:sSub>
+                  </m:oMath>
+                </a14:m>
+                <a:r>
+                  <a:rPr lang="nn-NO" dirty="0" smtClean="0"/>
+                  <a:t> ein Körper </a:t>
+                </a:r>
+                <a14:m>
+                  <m:oMath xmlns:m="http://schemas.openxmlformats.org/officeDocument/2006/math">
+                    <m:sSubSup>
+                      <m:sSubSupPr>
+                        <m:ctrlPr>
+                          <a:rPr lang="el-GR" i="1">
+                            <a:latin typeface="Cambria Math" panose="02040503050406030204" pitchFamily="18" charset="0"/>
+                            <a:ea typeface="Cambria Math" panose="02040503050406030204" pitchFamily="18" charset="0"/>
+                          </a:rPr>
+                        </m:ctrlPr>
+                      </m:sSubSupPr>
+                      <m:e>
+                        <m:r>
+                          <m:rPr>
+                            <m:sty m:val="p"/>
+                          </m:rPr>
+                          <a:rPr lang="el-GR" i="1">
+                            <a:latin typeface="Cambria Math" panose="02040503050406030204" pitchFamily="18" charset="0"/>
+                            <a:ea typeface="Cambria Math" panose="02040503050406030204" pitchFamily="18" charset="0"/>
+                          </a:rPr>
+                          <m:t>Ϝ</m:t>
+                        </m:r>
+                      </m:e>
+                      <m:sub>
+                        <m:r>
+                          <a:rPr lang="de-DE" i="1">
+                            <a:latin typeface="Cambria Math" panose="02040503050406030204" pitchFamily="18" charset="0"/>
+                            <a:ea typeface="Cambria Math" panose="02040503050406030204" pitchFamily="18" charset="0"/>
+                          </a:rPr>
+                          <m:t>𝑝</m:t>
+                        </m:r>
+                      </m:sub>
+                      <m:sup>
+                        <m:r>
+                          <a:rPr lang="de-DE" i="1">
+                            <a:latin typeface="Cambria Math" panose="02040503050406030204" pitchFamily="18" charset="0"/>
+                            <a:ea typeface="Cambria Math" panose="02040503050406030204" pitchFamily="18" charset="0"/>
+                          </a:rPr>
+                          <m:t>∗</m:t>
+                        </m:r>
+                      </m:sup>
+                    </m:sSubSup>
+                  </m:oMath>
+                </a14:m>
+                <a:r>
+                  <a:rPr lang="nn-NO" dirty="0" smtClean="0"/>
+                  <a:t>.</a:t>
+                </a:r>
+              </a:p>
+              <a:p>
+                <a:pPr marL="342900" indent="-342900">
+                  <a:buFont typeface="Symbol" panose="05050102010706020507" pitchFamily="18" charset="2"/>
+                  <a:buChar char="Þ"/>
+                </a:pPr>
+                <a:r>
+                  <a:rPr lang="nn-NO" dirty="0" smtClean="0"/>
+                  <a:t>In einem Körper gibt es nur 2 Lösungen der Gleichung x</a:t>
+                </a:r>
+                <a:r>
+                  <a:rPr lang="nn-NO" baseline="30000" dirty="0" smtClean="0"/>
+                  <a:t>2</a:t>
+                </a:r>
+                <a:r>
+                  <a:rPr lang="nn-NO" dirty="0" smtClean="0"/>
+                  <a:t>=1  (1 und -1 bzw. p-1)</a:t>
+                </a:r>
+              </a:p>
+              <a:p>
+                <a:pPr marL="342900" indent="-342900">
+                  <a:buFont typeface="Symbol" panose="05050102010706020507" pitchFamily="18" charset="2"/>
+                  <a:buChar char="Þ"/>
+                </a:pPr>
+                <a:r>
+                  <a:rPr lang="nn-NO" dirty="0" smtClean="0"/>
+                  <a:t>Gibt es also mehr als 2 Lösungen kann </a:t>
+                </a:r>
+                <a14:m>
+                  <m:oMath xmlns:m="http://schemas.openxmlformats.org/officeDocument/2006/math">
+                    <m:sSubSup>
+                      <m:sSubSupPr>
+                        <m:ctrlPr>
+                          <a:rPr lang="el-GR" i="1" smtClean="0">
+                            <a:latin typeface="Cambria Math" panose="02040503050406030204" pitchFamily="18" charset="0"/>
+                            <a:ea typeface="Cambria Math" panose="02040503050406030204" pitchFamily="18" charset="0"/>
+                          </a:rPr>
+                        </m:ctrlPr>
+                      </m:sSubSupPr>
+                      <m:e>
+                        <m:r>
+                          <m:rPr>
+                            <m:sty m:val="p"/>
+                          </m:rPr>
+                          <a:rPr lang="el-GR" i="1" smtClean="0">
+                            <a:latin typeface="Cambria Math" panose="02040503050406030204" pitchFamily="18" charset="0"/>
+                            <a:ea typeface="Cambria Math" panose="02040503050406030204" pitchFamily="18" charset="0"/>
+                          </a:rPr>
+                          <m:t>Ϝ</m:t>
+                        </m:r>
+                      </m:e>
+                      <m:sub>
+                        <m:r>
+                          <a:rPr lang="de-DE" b="0" i="1" smtClean="0">
+                            <a:latin typeface="Cambria Math" panose="02040503050406030204" pitchFamily="18" charset="0"/>
+                            <a:ea typeface="Cambria Math" panose="02040503050406030204" pitchFamily="18" charset="0"/>
+                          </a:rPr>
+                          <m:t>𝑝</m:t>
+                        </m:r>
+                      </m:sub>
+                      <m:sup>
+                        <m:r>
+                          <a:rPr lang="de-DE" b="0" i="1" smtClean="0">
+                            <a:latin typeface="Cambria Math" panose="02040503050406030204" pitchFamily="18" charset="0"/>
+                            <a:ea typeface="Cambria Math" panose="02040503050406030204" pitchFamily="18" charset="0"/>
+                          </a:rPr>
+                          <m:t>∗</m:t>
+                        </m:r>
+                      </m:sup>
+                    </m:sSubSup>
+                  </m:oMath>
+                </a14:m>
+                <a:r>
+                  <a:rPr lang="nn-NO" dirty="0" smtClean="0"/>
+                  <a:t> kein Körper sein und somit ist auch n keine Primzahl.</a:t>
+                </a:r>
+              </a:p>
+            </p:txBody>
+          </p:sp>
+        </mc:Choice>
+        <mc:Fallback xmlns="">
+          <p:sp>
+            <p:nvSpPr>
+              <p:cNvPr id="3" name="Inhaltsplatzhalter 2"/>
+              <p:cNvSpPr>
+                <a:spLocks noGrp="1" noRot="1" noChangeAspect="1" noMove="1" noResize="1" noEditPoints="1" noAdjustHandles="1" noChangeArrowheads="1" noChangeShapeType="1" noTextEdit="1"/>
+              </p:cNvSpPr>
+              <p:nvPr>
+                <p:ph idx="1"/>
+              </p:nvPr>
+            </p:nvSpPr>
+            <p:spPr>
+              <a:blipFill>
+                <a:blip r:embed="rId2"/>
+                <a:stretch>
+                  <a:fillRect l="-1881" t="-1617"/>
+                </a:stretch>
+              </a:blipFill>
+            </p:spPr>
+            <p:txBody>
+              <a:bodyPr/>
+              <a:lstStyle/>
+              <a:p>
+                <a:r>
+                  <a:rPr lang="de-DE">
+                    <a:noFill/>
+                  </a:rPr>
+                  <a:t> </a:t>
+                </a:r>
+              </a:p>
+            </p:txBody>
+          </p:sp>
+        </mc:Fallback>
+      </mc:AlternateContent>
+      <p:sp>
+        <p:nvSpPr>
+          <p:cNvPr id="4" name="Foliennummernplatzhalter 3"/>
+          <p:cNvSpPr>
+            <a:spLocks noGrp="1"/>
+          </p:cNvSpPr>
+          <p:nvPr>
+            <p:ph type="sldNum" sz="quarter" idx="10"/>
+          </p:nvPr>
+        </p:nvSpPr>
+        <p:spPr/>
+        <p:txBody>
+          <a:bodyPr/>
+          <a:lstStyle/>
+          <a:p>
+            <a:r>
+              <a:rPr lang="de-DE" smtClean="0"/>
+              <a:t>Seite </a:t>
+            </a:r>
+            <a:fld id="{1B189BCE-72B6-4347-8C11-17284F861EDC}" type="slidenum">
+              <a:rPr lang="de-DE" smtClean="0"/>
+              <a:pPr/>
+              <a:t>14</a:t>
+            </a:fld>
+            <a:endParaRPr lang="de-DE" dirty="0"/>
+          </a:p>
+        </p:txBody>
+      </p:sp>
+    </p:spTree>
+    <p:extLst>
+      <p:ext uri="{BB962C8B-B14F-4D97-AF65-F5344CB8AC3E}">
+        <p14:creationId xmlns:p14="http://schemas.microsoft.com/office/powerpoint/2010/main" val="1011613250"/>
+      </p:ext>
+    </p:extLst>
+  </p:cSld>
+  <p:clrMapOvr>
+    <a:masterClrMapping/>
+  </p:clrMapOvr>
+  <p:timing>
+    <p:tnLst>
+      <p:par>
+        <p:cTn id="1" dur="indefinite" restart="never" nodeType="tmRoot"/>
+      </p:par>
+    </p:tnLst>
+  </p:timing>
+</p:sld>
+</file>
+
+<file path=ppt/slides/slide15.xml><?xml version="1.0" encoding="utf-8"?>
+<p:sld xmlns:a="http://schemas.openxmlformats.org/drawingml/2006/main" xmlns:r="http://schemas.openxmlformats.org/officeDocument/2006/relationships" xmlns:p="http://schemas.openxmlformats.org/presentationml/2006/main">
+  <p:cSld>
+    <p:spTree>
+      <p:nvGrpSpPr>
+        <p:cNvPr id="1" name=""/>
+        <p:cNvGrpSpPr/>
+        <p:nvPr/>
+      </p:nvGrpSpPr>
+      <p:grpSpPr>
+        <a:xfrm>
+          <a:off x="0" y="0"/>
+          <a:ext cx="0" cy="0"/>
+          <a:chOff x="0" y="0"/>
+          <a:chExt cx="0" cy="0"/>
+        </a:xfrm>
+      </p:grpSpPr>
+      <p:sp>
+        <p:nvSpPr>
+          <p:cNvPr id="4" name="Foliennummernplatzhalter 3"/>
+          <p:cNvSpPr>
+            <a:spLocks noGrp="1"/>
+          </p:cNvSpPr>
+          <p:nvPr>
+            <p:ph type="sldNum" sz="quarter" idx="10"/>
+          </p:nvPr>
+        </p:nvSpPr>
+        <p:spPr/>
+        <p:txBody>
+          <a:bodyPr/>
+          <a:lstStyle/>
+          <a:p>
+            <a:r>
               <a:rPr lang="de-DE" dirty="0"/>
               <a:t>Seite </a:t>
             </a:r>
             <a:fld id="{4CDCE16C-BB8B-41B6-BC70-61DAD202005A}" type="slidenum">
               <a:rPr lang="de-DE"/>
               <a:pPr/>
-              <a:t>12</a:t>
+              <a:t>15</a:t>
             </a:fld>
             <a:endParaRPr lang="de-DE" dirty="0"/>
           </a:p>
@@ -5947,7 +7050,7 @@
 </p:sld>
 </file>
 
-<file path=ppt/slides/slide13.xml><?xml version="1.0" encoding="utf-8"?>
+<file path=ppt/slides/slide16.xml><?xml version="1.0" encoding="utf-8"?>
 <p:sld xmlns:a="http://schemas.openxmlformats.org/drawingml/2006/main" xmlns:r="http://schemas.openxmlformats.org/officeDocument/2006/relationships" xmlns:p="http://schemas.openxmlformats.org/presentationml/2006/main">
   <p:cSld>
     <p:spTree>
@@ -6016,7 +7119,7 @@
             <a:fld id="{4CDCE16C-BB8B-41B6-BC70-61DAD202005A}" type="slidenum">
               <a:rPr lang="de-DE"/>
               <a:pPr/>
-              <a:t>13</a:t>
+              <a:t>16</a:t>
             </a:fld>
             <a:endParaRPr lang="de-DE" dirty="0"/>
           </a:p>
@@ -6171,7 +7274,7 @@
 </p:sld>
 </file>
 
-<file path=ppt/slides/slide14.xml><?xml version="1.0" encoding="utf-8"?>
+<file path=ppt/slides/slide17.xml><?xml version="1.0" encoding="utf-8"?>
 <p:sld xmlns:a="http://schemas.openxmlformats.org/drawingml/2006/main" xmlns:r="http://schemas.openxmlformats.org/officeDocument/2006/relationships" xmlns:p="http://schemas.openxmlformats.org/presentationml/2006/main">
   <p:cSld>
     <p:spTree>
@@ -6210,7 +7313,7 @@
             <a:fld id="{4CDCE16C-BB8B-41B6-BC70-61DAD202005A}" type="slidenum">
               <a:rPr lang="de-DE"/>
               <a:pPr/>
-              <a:t>14</a:t>
+              <a:t>17</a:t>
             </a:fld>
             <a:endParaRPr lang="de-DE" dirty="0"/>
           </a:p>
@@ -6573,577 +7676,6 @@
 </p:sld>
 </file>
 
-<file path=ppt/slides/slide15.xml><?xml version="1.0" encoding="utf-8"?>
-<p:sld xmlns:a="http://schemas.openxmlformats.org/drawingml/2006/main" xmlns:r="http://schemas.openxmlformats.org/officeDocument/2006/relationships" xmlns:p="http://schemas.openxmlformats.org/presentationml/2006/main">
-  <p:cSld>
-    <p:spTree>
-      <p:nvGrpSpPr>
-        <p:cNvPr id="1" name=""/>
-        <p:cNvGrpSpPr/>
-        <p:nvPr/>
-      </p:nvGrpSpPr>
-      <p:grpSpPr>
-        <a:xfrm>
-          <a:off x="0" y="0"/>
-          <a:ext cx="0" cy="0"/>
-          <a:chOff x="0" y="0"/>
-          <a:chExt cx="0" cy="0"/>
-        </a:xfrm>
-      </p:grpSpPr>
-      <p:sp>
-        <p:nvSpPr>
-          <p:cNvPr id="4" name="Foliennummernplatzhalter 3"/>
-          <p:cNvSpPr>
-            <a:spLocks noGrp="1"/>
-          </p:cNvSpPr>
-          <p:nvPr>
-            <p:ph type="sldNum" sz="quarter" idx="10"/>
-          </p:nvPr>
-        </p:nvSpPr>
-        <p:spPr/>
-        <p:txBody>
-          <a:bodyPr/>
-          <a:lstStyle/>
-          <a:p>
-            <a:r>
-              <a:rPr lang="de-DE" dirty="0"/>
-              <a:t>Seite </a:t>
-            </a:r>
-            <a:fld id="{4CDCE16C-BB8B-41B6-BC70-61DAD202005A}" type="slidenum">
-              <a:rPr lang="de-DE"/>
-              <a:pPr/>
-              <a:t>15</a:t>
-            </a:fld>
-            <a:endParaRPr lang="de-DE" dirty="0"/>
-          </a:p>
-        </p:txBody>
-      </p:sp>
-      <p:sp>
-        <p:nvSpPr>
-          <p:cNvPr id="9218" name="Rectangle 2"/>
-          <p:cNvSpPr>
-            <a:spLocks noGrp="1" noChangeArrowheads="1"/>
-          </p:cNvSpPr>
-          <p:nvPr>
-            <p:ph type="title"/>
-          </p:nvPr>
-        </p:nvSpPr>
-        <p:spPr/>
-        <p:txBody>
-          <a:bodyPr/>
-          <a:lstStyle/>
-          <a:p>
-            <a:r>
-              <a:rPr lang="de-DE" dirty="0"/>
-              <a:t>Elliptische </a:t>
-            </a:r>
-            <a:r>
-              <a:rPr lang="de-DE" dirty="0" smtClean="0"/>
-              <a:t>Kurven</a:t>
-            </a:r>
-            <a:r>
-              <a:rPr lang="de-DE" dirty="0"/>
-              <a:t/>
-            </a:r>
-            <a:br>
-              <a:rPr lang="de-DE" dirty="0"/>
-            </a:br>
-            <a:r>
-              <a:rPr lang="de-DE" sz="2400" b="0" i="1" dirty="0"/>
-              <a:t>Asymmetrische Verschlüsselung</a:t>
-            </a:r>
-          </a:p>
-        </p:txBody>
-      </p:sp>
-      <p:sp>
-        <p:nvSpPr>
-          <p:cNvPr id="9219" name="Rectangle 3"/>
-          <p:cNvSpPr>
-            <a:spLocks noGrp="1" noChangeArrowheads="1"/>
-          </p:cNvSpPr>
-          <p:nvPr>
-            <p:ph type="body" idx="1"/>
-          </p:nvPr>
-        </p:nvSpPr>
-        <p:spPr>
-          <a:xfrm>
-            <a:off x="522288" y="2138363"/>
-            <a:ext cx="8856860" cy="4522787"/>
-          </a:xfrm>
-          <a:noFill/>
-        </p:spPr>
-        <p:txBody>
-          <a:bodyPr/>
-          <a:lstStyle/>
-          <a:p>
-            <a:pPr marL="555625" lvl="1" indent="-285750">
-              <a:buFont typeface="Arial" panose="020B0604020202020204" pitchFamily="34" charset="0"/>
-              <a:buChar char="•"/>
-            </a:pPr>
-            <a:r>
-              <a:rPr lang="en-US" dirty="0" smtClean="0"/>
-              <a:t>Mal </a:t>
-            </a:r>
-            <a:r>
-              <a:rPr lang="en-US" dirty="0" err="1" smtClean="0"/>
-              <a:t>noch</a:t>
-            </a:r>
-            <a:r>
-              <a:rPr lang="en-US" dirty="0" smtClean="0"/>
-              <a:t> </a:t>
-            </a:r>
-            <a:r>
-              <a:rPr lang="en-US" dirty="0" err="1" smtClean="0"/>
-              <a:t>zurückstellen</a:t>
-            </a:r>
-            <a:r>
-              <a:rPr lang="en-US" dirty="0" smtClean="0"/>
-              <a:t> </a:t>
-            </a:r>
-            <a:r>
-              <a:rPr lang="en-US" dirty="0" err="1" smtClean="0"/>
-              <a:t>ob</a:t>
-            </a:r>
-            <a:r>
-              <a:rPr lang="en-US" dirty="0" smtClean="0"/>
-              <a:t> das </a:t>
-            </a:r>
-            <a:r>
-              <a:rPr lang="en-US" dirty="0" err="1" smtClean="0"/>
-              <a:t>nötig</a:t>
-            </a:r>
-            <a:r>
-              <a:rPr lang="en-US" dirty="0" smtClean="0"/>
-              <a:t> </a:t>
-            </a:r>
-            <a:r>
-              <a:rPr lang="en-US" dirty="0" err="1" smtClean="0"/>
-              <a:t>ist</a:t>
-            </a:r>
-            <a:endParaRPr lang="en-US" dirty="0"/>
-          </a:p>
-          <a:p>
-            <a:pPr marL="285750" indent="-285750">
-              <a:buFont typeface="Arial" panose="020B0604020202020204" pitchFamily="34" charset="0"/>
-              <a:buChar char="•"/>
-            </a:pPr>
-            <a:endParaRPr lang="en-US" dirty="0"/>
-          </a:p>
-        </p:txBody>
-      </p:sp>
-    </p:spTree>
-    <p:extLst>
-      <p:ext uri="{BB962C8B-B14F-4D97-AF65-F5344CB8AC3E}">
-        <p14:creationId xmlns:p14="http://schemas.microsoft.com/office/powerpoint/2010/main" val="1271163080"/>
-      </p:ext>
-    </p:extLst>
-  </p:cSld>
-  <p:clrMapOvr>
-    <a:masterClrMapping/>
-  </p:clrMapOvr>
-  <p:timing>
-    <p:tnLst>
-      <p:par>
-        <p:cTn id="1" dur="indefinite" restart="never" nodeType="tmRoot"/>
-      </p:par>
-    </p:tnLst>
-  </p:timing>
-</p:sld>
-</file>
-
-<file path=ppt/slides/slide16.xml><?xml version="1.0" encoding="utf-8"?>
-<p:sld xmlns:a="http://schemas.openxmlformats.org/drawingml/2006/main" xmlns:r="http://schemas.openxmlformats.org/officeDocument/2006/relationships" xmlns:p="http://schemas.openxmlformats.org/presentationml/2006/main">
-  <p:cSld>
-    <p:spTree>
-      <p:nvGrpSpPr>
-        <p:cNvPr id="1" name=""/>
-        <p:cNvGrpSpPr/>
-        <p:nvPr/>
-      </p:nvGrpSpPr>
-      <p:grpSpPr>
-        <a:xfrm>
-          <a:off x="0" y="0"/>
-          <a:ext cx="0" cy="0"/>
-          <a:chOff x="0" y="0"/>
-          <a:chExt cx="0" cy="0"/>
-        </a:xfrm>
-      </p:grpSpPr>
-      <p:sp>
-        <p:nvSpPr>
-          <p:cNvPr id="4" name="Foliennummernplatzhalter 3"/>
-          <p:cNvSpPr>
-            <a:spLocks noGrp="1"/>
-          </p:cNvSpPr>
-          <p:nvPr>
-            <p:ph type="sldNum" sz="quarter" idx="10"/>
-          </p:nvPr>
-        </p:nvSpPr>
-        <p:spPr/>
-        <p:txBody>
-          <a:bodyPr/>
-          <a:lstStyle/>
-          <a:p>
-            <a:r>
-              <a:rPr lang="de-DE" dirty="0"/>
-              <a:t>Seite </a:t>
-            </a:r>
-            <a:fld id="{4CDCE16C-BB8B-41B6-BC70-61DAD202005A}" type="slidenum">
-              <a:rPr lang="de-DE"/>
-              <a:pPr/>
-              <a:t>16</a:t>
-            </a:fld>
-            <a:endParaRPr lang="de-DE" dirty="0"/>
-          </a:p>
-        </p:txBody>
-      </p:sp>
-      <p:sp>
-        <p:nvSpPr>
-          <p:cNvPr id="9218" name="Rectangle 2"/>
-          <p:cNvSpPr>
-            <a:spLocks noGrp="1" noChangeArrowheads="1"/>
-          </p:cNvSpPr>
-          <p:nvPr>
-            <p:ph type="title"/>
-          </p:nvPr>
-        </p:nvSpPr>
-        <p:spPr/>
-        <p:txBody>
-          <a:bodyPr/>
-          <a:lstStyle/>
-          <a:p>
-            <a:r>
-              <a:rPr lang="de-DE" dirty="0"/>
-              <a:t>Elliptische </a:t>
-            </a:r>
-            <a:r>
-              <a:rPr lang="de-DE" dirty="0" smtClean="0"/>
-              <a:t>Kurven</a:t>
-            </a:r>
-            <a:r>
-              <a:rPr lang="de-DE" dirty="0"/>
-              <a:t/>
-            </a:r>
-            <a:br>
-              <a:rPr lang="de-DE" dirty="0"/>
-            </a:br>
-            <a:r>
-              <a:rPr lang="de-DE" sz="2400" b="0" i="1" dirty="0" smtClean="0"/>
-              <a:t>Schlüsselaustausch</a:t>
-            </a:r>
-            <a:endParaRPr lang="de-DE" sz="2400" b="0" i="1" dirty="0"/>
-          </a:p>
-        </p:txBody>
-      </p:sp>
-      <p:sp>
-        <p:nvSpPr>
-          <p:cNvPr id="9219" name="Rectangle 3"/>
-          <p:cNvSpPr>
-            <a:spLocks noGrp="1" noChangeArrowheads="1"/>
-          </p:cNvSpPr>
-          <p:nvPr>
-            <p:ph type="body" idx="1"/>
-          </p:nvPr>
-        </p:nvSpPr>
-        <p:spPr>
-          <a:xfrm>
-            <a:off x="522288" y="2138363"/>
-            <a:ext cx="8856860" cy="4522787"/>
-          </a:xfrm>
-          <a:noFill/>
-        </p:spPr>
-        <p:txBody>
-          <a:bodyPr/>
-          <a:lstStyle/>
-          <a:p>
-            <a:pPr marL="555625" lvl="1" indent="-285750">
-              <a:buFont typeface="Arial" panose="020B0604020202020204" pitchFamily="34" charset="0"/>
-              <a:buChar char="•"/>
-            </a:pPr>
-            <a:r>
-              <a:rPr lang="en-US" dirty="0" smtClean="0"/>
-              <a:t>Mal </a:t>
-            </a:r>
-            <a:r>
-              <a:rPr lang="en-US" dirty="0" err="1" smtClean="0"/>
-              <a:t>noch</a:t>
-            </a:r>
-            <a:r>
-              <a:rPr lang="en-US" dirty="0" smtClean="0"/>
-              <a:t> </a:t>
-            </a:r>
-            <a:r>
-              <a:rPr lang="en-US" dirty="0" err="1" smtClean="0"/>
-              <a:t>zurückstellen</a:t>
-            </a:r>
-            <a:r>
-              <a:rPr lang="en-US" dirty="0" smtClean="0"/>
-              <a:t> </a:t>
-            </a:r>
-            <a:r>
-              <a:rPr lang="en-US" dirty="0" err="1" smtClean="0"/>
-              <a:t>ob</a:t>
-            </a:r>
-            <a:r>
-              <a:rPr lang="en-US" dirty="0" smtClean="0"/>
-              <a:t> das </a:t>
-            </a:r>
-            <a:r>
-              <a:rPr lang="en-US" dirty="0" err="1" smtClean="0"/>
-              <a:t>nötig</a:t>
-            </a:r>
-            <a:r>
-              <a:rPr lang="en-US" dirty="0" smtClean="0"/>
-              <a:t> </a:t>
-            </a:r>
-            <a:r>
-              <a:rPr lang="en-US" dirty="0" err="1" smtClean="0"/>
-              <a:t>ist</a:t>
-            </a:r>
-            <a:endParaRPr lang="en-US" dirty="0"/>
-          </a:p>
-          <a:p>
-            <a:pPr marL="285750" indent="-285750">
-              <a:buFont typeface="Arial" panose="020B0604020202020204" pitchFamily="34" charset="0"/>
-              <a:buChar char="•"/>
-            </a:pPr>
-            <a:endParaRPr lang="en-US" dirty="0"/>
-          </a:p>
-        </p:txBody>
-      </p:sp>
-    </p:spTree>
-    <p:extLst>
-      <p:ext uri="{BB962C8B-B14F-4D97-AF65-F5344CB8AC3E}">
-        <p14:creationId xmlns:p14="http://schemas.microsoft.com/office/powerpoint/2010/main" val="1382242024"/>
-      </p:ext>
-    </p:extLst>
-  </p:cSld>
-  <p:clrMapOvr>
-    <a:masterClrMapping/>
-  </p:clrMapOvr>
-  <p:timing>
-    <p:tnLst>
-      <p:par>
-        <p:cTn id="1" dur="indefinite" restart="never" nodeType="tmRoot"/>
-      </p:par>
-    </p:tnLst>
-  </p:timing>
-</p:sld>
-</file>
-
-<file path=ppt/slides/slide17.xml><?xml version="1.0" encoding="utf-8"?>
-<p:sld xmlns:a="http://schemas.openxmlformats.org/drawingml/2006/main" xmlns:r="http://schemas.openxmlformats.org/officeDocument/2006/relationships" xmlns:p="http://schemas.openxmlformats.org/presentationml/2006/main">
-  <p:cSld>
-    <p:spTree>
-      <p:nvGrpSpPr>
-        <p:cNvPr id="1" name=""/>
-        <p:cNvGrpSpPr/>
-        <p:nvPr/>
-      </p:nvGrpSpPr>
-      <p:grpSpPr>
-        <a:xfrm>
-          <a:off x="0" y="0"/>
-          <a:ext cx="0" cy="0"/>
-          <a:chOff x="0" y="0"/>
-          <a:chExt cx="0" cy="0"/>
-        </a:xfrm>
-      </p:grpSpPr>
-      <p:sp>
-        <p:nvSpPr>
-          <p:cNvPr id="4" name="Foliennummernplatzhalter 3"/>
-          <p:cNvSpPr>
-            <a:spLocks noGrp="1"/>
-          </p:cNvSpPr>
-          <p:nvPr>
-            <p:ph type="sldNum" sz="quarter" idx="10"/>
-          </p:nvPr>
-        </p:nvSpPr>
-        <p:spPr/>
-        <p:txBody>
-          <a:bodyPr/>
-          <a:lstStyle/>
-          <a:p>
-            <a:r>
-              <a:rPr lang="de-DE" dirty="0"/>
-              <a:t>Seite </a:t>
-            </a:r>
-            <a:fld id="{4CDCE16C-BB8B-41B6-BC70-61DAD202005A}" type="slidenum">
-              <a:rPr lang="de-DE"/>
-              <a:pPr/>
-              <a:t>17</a:t>
-            </a:fld>
-            <a:endParaRPr lang="de-DE" dirty="0"/>
-          </a:p>
-        </p:txBody>
-      </p:sp>
-      <p:sp>
-        <p:nvSpPr>
-          <p:cNvPr id="9218" name="Rectangle 2"/>
-          <p:cNvSpPr>
-            <a:spLocks noGrp="1" noChangeArrowheads="1"/>
-          </p:cNvSpPr>
-          <p:nvPr>
-            <p:ph type="title"/>
-          </p:nvPr>
-        </p:nvSpPr>
-        <p:spPr/>
-        <p:txBody>
-          <a:bodyPr/>
-          <a:lstStyle/>
-          <a:p>
-            <a:r>
-              <a:rPr lang="de-DE" dirty="0"/>
-              <a:t>Elliptische </a:t>
-            </a:r>
-            <a:r>
-              <a:rPr lang="de-DE" dirty="0" smtClean="0"/>
-              <a:t>Kurven</a:t>
-            </a:r>
-            <a:r>
-              <a:rPr lang="de-DE" dirty="0"/>
-              <a:t/>
-            </a:r>
-            <a:br>
-              <a:rPr lang="de-DE" dirty="0"/>
-            </a:br>
-            <a:r>
-              <a:rPr lang="de-DE" sz="2400" b="0" i="1" dirty="0" smtClean="0"/>
-              <a:t>Zusammenfassung</a:t>
-            </a:r>
-            <a:endParaRPr lang="de-DE" sz="2400" b="0" i="1" dirty="0"/>
-          </a:p>
-        </p:txBody>
-      </p:sp>
-      <p:sp>
-        <p:nvSpPr>
-          <p:cNvPr id="9219" name="Rectangle 3"/>
-          <p:cNvSpPr>
-            <a:spLocks noGrp="1" noChangeArrowheads="1"/>
-          </p:cNvSpPr>
-          <p:nvPr>
-            <p:ph type="body" idx="1"/>
-          </p:nvPr>
-        </p:nvSpPr>
-        <p:spPr>
-          <a:xfrm>
-            <a:off x="522288" y="2138363"/>
-            <a:ext cx="8856860" cy="4522787"/>
-          </a:xfrm>
-          <a:noFill/>
-        </p:spPr>
-        <p:txBody>
-          <a:bodyPr/>
-          <a:lstStyle/>
-          <a:p>
-            <a:pPr marL="285750" indent="-285750">
-              <a:buFont typeface="Arial" panose="020B0604020202020204" pitchFamily="34" charset="0"/>
-              <a:buChar char="•"/>
-            </a:pPr>
-            <a:r>
-              <a:rPr lang="de-DE" dirty="0" smtClean="0"/>
-              <a:t>Mit </a:t>
-            </a:r>
-            <a:r>
-              <a:rPr lang="de-DE" dirty="0"/>
-              <a:t>bestimmte </a:t>
-            </a:r>
-            <a:r>
-              <a:rPr lang="de-DE" dirty="0" smtClean="0"/>
-              <a:t>Randbedingungen können Elliptischen </a:t>
-            </a:r>
-            <a:r>
-              <a:rPr lang="de-DE" dirty="0"/>
-              <a:t>Kurven </a:t>
-            </a:r>
-            <a:r>
-              <a:rPr lang="de-DE" dirty="0" smtClean="0"/>
-              <a:t>für Asymmetrische </a:t>
-            </a:r>
-            <a:r>
-              <a:rPr lang="de-DE" dirty="0"/>
-              <a:t>Verschlüsselung </a:t>
-            </a:r>
-            <a:r>
-              <a:rPr lang="de-DE" dirty="0" smtClean="0"/>
-              <a:t>eingesetzt werden</a:t>
-            </a:r>
-            <a:endParaRPr lang="de-DE" dirty="0"/>
-          </a:p>
-          <a:p>
-            <a:pPr marL="285750" indent="-285750">
-              <a:buFont typeface="Arial" panose="020B0604020202020204" pitchFamily="34" charset="0"/>
-              <a:buChar char="•"/>
-            </a:pPr>
-            <a:endParaRPr lang="de-DE" dirty="0" smtClean="0"/>
-          </a:p>
-          <a:p>
-            <a:pPr marL="285750" indent="-285750">
-              <a:buFont typeface="Arial" panose="020B0604020202020204" pitchFamily="34" charset="0"/>
-              <a:buChar char="•"/>
-            </a:pPr>
-            <a:r>
-              <a:rPr lang="de-DE" dirty="0"/>
-              <a:t>Schlüsselaustausch folgt dem Prinzip des Diffie-Hellman-Schlüsselaustausch</a:t>
-            </a:r>
-          </a:p>
-          <a:p>
-            <a:pPr marL="285750" indent="-285750">
-              <a:buFont typeface="Arial" panose="020B0604020202020204" pitchFamily="34" charset="0"/>
-              <a:buChar char="•"/>
-            </a:pPr>
-            <a:endParaRPr lang="de-DE" dirty="0" smtClean="0"/>
-          </a:p>
-          <a:p>
-            <a:pPr marL="285750" indent="-285750">
-              <a:buFont typeface="Arial" panose="020B0604020202020204" pitchFamily="34" charset="0"/>
-              <a:buChar char="•"/>
-            </a:pPr>
-            <a:r>
-              <a:rPr lang="de-DE" dirty="0" smtClean="0"/>
-              <a:t>Steigende Effizienz im </a:t>
-            </a:r>
-            <a:r>
-              <a:rPr lang="en-US" dirty="0" smtClean="0"/>
-              <a:t>Rechenaufwand und </a:t>
-            </a:r>
-            <a:r>
-              <a:rPr lang="en-US" dirty="0" err="1" smtClean="0"/>
-              <a:t>beim</a:t>
-            </a:r>
-            <a:r>
-              <a:rPr lang="en-US" dirty="0" smtClean="0"/>
-              <a:t> Speicherbedarf</a:t>
-            </a:r>
-            <a:endParaRPr lang="en-US" dirty="0"/>
-          </a:p>
-          <a:p>
-            <a:pPr marL="285750" indent="-285750">
-              <a:buFont typeface="Arial" panose="020B0604020202020204" pitchFamily="34" charset="0"/>
-              <a:buChar char="•"/>
-            </a:pPr>
-            <a:endParaRPr lang="en-US" dirty="0"/>
-          </a:p>
-        </p:txBody>
-      </p:sp>
-    </p:spTree>
-    <p:extLst>
-      <p:ext uri="{BB962C8B-B14F-4D97-AF65-F5344CB8AC3E}">
-        <p14:creationId xmlns:p14="http://schemas.microsoft.com/office/powerpoint/2010/main" val="3039909065"/>
-      </p:ext>
-    </p:extLst>
-  </p:cSld>
-  <p:clrMapOvr>
-    <a:masterClrMapping/>
-  </p:clrMapOvr>
-  <p:timing>
-    <p:tnLst>
-      <p:par>
-        <p:cTn id="1" dur="indefinite" restart="never" nodeType="tmRoot"/>
-      </p:par>
-    </p:tnLst>
-  </p:timing>
-</p:sld>
-</file>
-
 <file path=ppt/slides/slide18.xml><?xml version="1.0" encoding="utf-8"?>
 <p:sld xmlns:a="http://schemas.openxmlformats.org/drawingml/2006/main" xmlns:r="http://schemas.openxmlformats.org/officeDocument/2006/relationships" xmlns:p="http://schemas.openxmlformats.org/presentationml/2006/main">
   <p:cSld>
@@ -7206,32 +7738,23 @@
           <a:p>
             <a:r>
               <a:rPr lang="de-DE" dirty="0"/>
-              <a:t>Baby-</a:t>
-            </a:r>
-            <a:r>
-              <a:rPr lang="de-DE" dirty="0" err="1"/>
-              <a:t>Step</a:t>
+              <a:t>Elliptische </a:t>
+            </a:r>
+            <a:r>
+              <a:rPr lang="de-DE" dirty="0" smtClean="0"/>
+              <a:t>Kurven</a:t>
             </a:r>
             <a:r>
               <a:rPr lang="de-DE" dirty="0"/>
-              <a:t>-Giant-</a:t>
-            </a:r>
-            <a:r>
-              <a:rPr lang="de-DE" dirty="0" err="1"/>
-              <a:t>Step</a:t>
-            </a:r>
-            <a:r>
-              <a:rPr lang="de-DE" dirty="0"/>
-              <a:t>-Algorithmus</a:t>
+              <a:t/>
             </a:r>
             <a:br>
               <a:rPr lang="de-DE" dirty="0"/>
             </a:br>
             <a:r>
-              <a:rPr lang="de-DE" sz="2400" b="0" i="1" dirty="0" smtClean="0"/>
-              <a:t>Grundsätzliche Idee</a:t>
-            </a:r>
-            <a:endParaRPr lang="de-DE" sz="2400" b="0" i="1" dirty="0"/>
+              <a:rPr lang="de-DE" sz="2400" b="0" i="1" dirty="0"/>
+              <a:t>Asymmetrische Verschlüsselung</a:t>
+            </a:r>
           </a:p>
         </p:txBody>
       </p:sp>
@@ -7247,7 +7770,7 @@
         </p:nvSpPr>
         <p:spPr>
           <a:xfrm>
-            <a:off x="512128" y="2138363"/>
+            <a:off x="522288" y="2138363"/>
             <a:ext cx="8856860" cy="4522787"/>
           </a:xfrm>
           <a:noFill/>
@@ -7256,64 +7779,57 @@
           <a:bodyPr/>
           <a:lstStyle/>
           <a:p>
+            <a:pPr marL="555625" lvl="1" indent="-285750">
+              <a:buFont typeface="Arial" panose="020B0604020202020204" pitchFamily="34" charset="0"/>
+              <a:buChar char="•"/>
+            </a:pPr>
+            <a:r>
+              <a:rPr lang="en-US" dirty="0" smtClean="0"/>
+              <a:t>Mal </a:t>
+            </a:r>
             <a:r>
               <a:rPr lang="en-US" dirty="0" err="1" smtClean="0"/>
-              <a:t>Ausgangsformel</a:t>
+              <a:t>noch</a:t>
             </a:r>
             <a:r>
               <a:rPr lang="en-US" dirty="0" smtClean="0"/>
-              <a:t>: y = </a:t>
+              <a:t> </a:t>
             </a:r>
             <a:r>
               <a:rPr lang="en-US" dirty="0" err="1" smtClean="0"/>
-              <a:t>g^x</a:t>
+              <a:t>zurückstellen</a:t>
             </a:r>
             <a:r>
               <a:rPr lang="en-US" dirty="0" smtClean="0"/>
-              <a:t> mod p</a:t>
-            </a:r>
-          </a:p>
-          <a:p>
+              <a:t> </a:t>
+            </a:r>
+            <a:r>
+              <a:rPr lang="en-US" dirty="0" err="1" smtClean="0"/>
+              <a:t>ob</a:t>
+            </a:r>
+            <a:r>
+              <a:rPr lang="en-US" dirty="0" smtClean="0"/>
+              <a:t> das </a:t>
+            </a:r>
+            <a:r>
+              <a:rPr lang="en-US" dirty="0" err="1" smtClean="0"/>
+              <a:t>nötig</a:t>
+            </a:r>
+            <a:r>
+              <a:rPr lang="en-US" dirty="0" smtClean="0"/>
+              <a:t> </a:t>
+            </a:r>
+            <a:r>
+              <a:rPr lang="en-US" dirty="0" err="1" smtClean="0"/>
+              <a:t>ist</a:t>
+            </a:r>
             <a:endParaRPr lang="en-US" dirty="0"/>
           </a:p>
           <a:p>
-            <a:r>
-              <a:rPr lang="de-DE" dirty="0" smtClean="0"/>
-              <a:t>Diskreter-Logarithmus-Formel: x = q . t + r          (  t € N  sodass t &gt;= Wurzel p-1 gilt)</a:t>
-            </a:r>
-          </a:p>
-          <a:p>
-            <a:endParaRPr lang="de-DE" dirty="0"/>
-          </a:p>
-          <a:p>
-            <a:r>
-              <a:rPr lang="de-DE" dirty="0" smtClean="0"/>
-              <a:t>Formel nach Umformung</a:t>
-            </a:r>
-          </a:p>
-          <a:p>
-            <a:r>
-              <a:rPr lang="de-DE" dirty="0" smtClean="0"/>
-              <a:t>y = </a:t>
-            </a:r>
-            <a:r>
-              <a:rPr lang="de-DE" dirty="0" err="1" smtClean="0"/>
-              <a:t>g^x</a:t>
-            </a:r>
-            <a:r>
-              <a:rPr lang="de-DE" dirty="0" smtClean="0"/>
-              <a:t> = g ^</a:t>
-            </a:r>
-            <a:r>
-              <a:rPr lang="de-DE" dirty="0" err="1" smtClean="0"/>
-              <a:t>q.t+r</a:t>
-            </a:r>
-            <a:r>
-              <a:rPr lang="de-DE" dirty="0" smtClean="0"/>
-              <a:t> &lt;&gt; y . g ^-r = g^q.t</a:t>
-            </a:r>
-          </a:p>
-          <a:p>
+            <a:pPr marL="285750" indent="-285750">
+              <a:buFont typeface="Arial" panose="020B0604020202020204" pitchFamily="34" charset="0"/>
+              <a:buChar char="•"/>
+            </a:pPr>
             <a:endParaRPr lang="en-US" dirty="0"/>
           </a:p>
         </p:txBody>
@@ -7321,7 +7837,7 @@
     </p:spTree>
     <p:extLst>
       <p:ext uri="{BB962C8B-B14F-4D97-AF65-F5344CB8AC3E}">
-        <p14:creationId xmlns:p14="http://schemas.microsoft.com/office/powerpoint/2010/main" val="2746547658"/>
+        <p14:creationId xmlns:p14="http://schemas.microsoft.com/office/powerpoint/2010/main" val="1271163080"/>
       </p:ext>
     </p:extLst>
   </p:cSld>
@@ -7400,30 +7916,22 @@
           <a:p>
             <a:r>
               <a:rPr lang="de-DE" dirty="0"/>
-              <a:t>Baby-</a:t>
-            </a:r>
-            <a:r>
-              <a:rPr lang="de-DE" dirty="0" err="1"/>
-              <a:t>Step</a:t>
+              <a:t>Elliptische </a:t>
+            </a:r>
+            <a:r>
+              <a:rPr lang="de-DE" dirty="0" smtClean="0"/>
+              <a:t>Kurven</a:t>
             </a:r>
             <a:r>
               <a:rPr lang="de-DE" dirty="0"/>
-              <a:t>-Giant-</a:t>
-            </a:r>
-            <a:r>
-              <a:rPr lang="de-DE" dirty="0" err="1"/>
-              <a:t>Step</a:t>
-            </a:r>
-            <a:r>
-              <a:rPr lang="de-DE" dirty="0"/>
-              <a:t>-Algorithmus</a:t>
+              <a:t/>
             </a:r>
             <a:br>
               <a:rPr lang="de-DE" dirty="0"/>
             </a:br>
             <a:r>
               <a:rPr lang="de-DE" sz="2400" b="0" i="1" dirty="0" smtClean="0"/>
-              <a:t>Vorgehen</a:t>
+              <a:t>Schlüsselaustausch</a:t>
             </a:r>
             <a:endParaRPr lang="de-DE" sz="2400" b="0" i="1" dirty="0"/>
           </a:p>
@@ -7441,7 +7949,7 @@
         </p:nvSpPr>
         <p:spPr>
           <a:xfrm>
-            <a:off x="512128" y="2138363"/>
+            <a:off x="522288" y="2138363"/>
             <a:ext cx="8856860" cy="4522787"/>
           </a:xfrm>
           <a:noFill/>
@@ -7450,69 +7958,57 @@
           <a:bodyPr/>
           <a:lstStyle/>
           <a:p>
+            <a:pPr marL="555625" lvl="1" indent="-285750">
+              <a:buFont typeface="Arial" panose="020B0604020202020204" pitchFamily="34" charset="0"/>
+              <a:buChar char="•"/>
+            </a:pPr>
+            <a:r>
+              <a:rPr lang="en-US" dirty="0" smtClean="0"/>
+              <a:t>Mal </a:t>
+            </a:r>
+            <a:r>
+              <a:rPr lang="en-US" dirty="0" err="1" smtClean="0"/>
+              <a:t>noch</a:t>
+            </a:r>
+            <a:r>
+              <a:rPr lang="en-US" dirty="0" smtClean="0"/>
+              <a:t> </a:t>
+            </a:r>
+            <a:r>
+              <a:rPr lang="en-US" dirty="0" err="1" smtClean="0"/>
+              <a:t>zurückstellen</a:t>
+            </a:r>
+            <a:r>
+              <a:rPr lang="en-US" dirty="0" smtClean="0"/>
+              <a:t> </a:t>
+            </a:r>
+            <a:r>
+              <a:rPr lang="en-US" dirty="0" err="1" smtClean="0"/>
+              <a:t>ob</a:t>
+            </a:r>
+            <a:r>
+              <a:rPr lang="en-US" dirty="0" smtClean="0"/>
+              <a:t> das </a:t>
+            </a:r>
+            <a:r>
+              <a:rPr lang="en-US" dirty="0" err="1" smtClean="0"/>
+              <a:t>nötig</a:t>
+            </a:r>
+            <a:r>
+              <a:rPr lang="en-US" dirty="0" smtClean="0"/>
+              <a:t> </a:t>
+            </a:r>
+            <a:r>
+              <a:rPr lang="en-US" dirty="0" err="1" smtClean="0"/>
+              <a:t>ist</a:t>
+            </a:r>
+            <a:endParaRPr lang="en-US" dirty="0"/>
+          </a:p>
+          <a:p>
             <a:pPr marL="285750" indent="-285750">
               <a:buFont typeface="Arial" panose="020B0604020202020204" pitchFamily="34" charset="0"/>
               <a:buChar char="•"/>
             </a:pPr>
-            <a:r>
-              <a:rPr lang="en-US" dirty="0" smtClean="0"/>
-              <a:t>Baby-Step-Formel:</a:t>
-            </a:r>
-          </a:p>
-          <a:p>
-            <a:pPr lvl="1" indent="0" algn="ctr">
-              <a:buNone/>
-            </a:pPr>
-            <a:r>
-              <a:rPr lang="en-US" dirty="0" smtClean="0"/>
-              <a:t>[Formel </a:t>
-            </a:r>
-            <a:r>
-              <a:rPr lang="en-US" dirty="0" err="1" smtClean="0"/>
-              <a:t>für</a:t>
-            </a:r>
-            <a:r>
-              <a:rPr lang="en-US" dirty="0" smtClean="0"/>
-              <a:t> Baby-Steps]</a:t>
-            </a:r>
-          </a:p>
-          <a:p>
-            <a:pPr lvl="1" indent="0" algn="ctr">
-              <a:buNone/>
-            </a:pPr>
-            <a:endParaRPr lang="en-US" dirty="0"/>
-          </a:p>
-          <a:p>
-            <a:pPr marL="285750" indent="-285750">
-              <a:buFont typeface="Arial" panose="020B0604020202020204" pitchFamily="34" charset="0"/>
-              <a:buChar char="•"/>
-            </a:pPr>
-            <a:r>
-              <a:rPr lang="en-US" dirty="0" smtClean="0"/>
-              <a:t>Giant-Step-Formel:</a:t>
-            </a:r>
-            <a:endParaRPr lang="en-US" dirty="0"/>
-          </a:p>
-          <a:p>
-            <a:pPr marL="0" lvl="1" indent="0" algn="ctr">
-              <a:buNone/>
-            </a:pPr>
-            <a:r>
-              <a:rPr lang="en-US" dirty="0"/>
-              <a:t>[Formel </a:t>
-            </a:r>
-            <a:r>
-              <a:rPr lang="en-US" dirty="0" err="1"/>
-              <a:t>für</a:t>
-            </a:r>
-            <a:r>
-              <a:rPr lang="en-US" dirty="0"/>
-              <a:t> </a:t>
-            </a:r>
-            <a:r>
-              <a:rPr lang="en-US" dirty="0" smtClean="0"/>
-              <a:t>Giant-Steps]</a:t>
-            </a:r>
             <a:endParaRPr lang="en-US" dirty="0"/>
           </a:p>
         </p:txBody>
@@ -7520,7 +8016,7 @@
     </p:spTree>
     <p:extLst>
       <p:ext uri="{BB962C8B-B14F-4D97-AF65-F5344CB8AC3E}">
-        <p14:creationId xmlns:p14="http://schemas.microsoft.com/office/powerpoint/2010/main" val="3895237601"/>
+        <p14:creationId xmlns:p14="http://schemas.microsoft.com/office/powerpoint/2010/main" val="1382242024"/>
       </p:ext>
     </p:extLst>
   </p:cSld>
@@ -7684,31 +8180,8 @@
                           <a:effectLst/>
                           <a:latin typeface="Arial" charset="0"/>
                         </a:rPr>
-                        <a:t>Kapitel </a:t>
+                        <a:t>Kapitel 1</a:t>
                       </a:r>
-                      <a:r>
-                        <a:rPr kumimoji="0" lang="de-DE" sz="1700" b="1" i="0" u="none" strike="noStrike" cap="none" normalizeH="0" baseline="0" dirty="0" smtClean="0">
-                          <a:ln>
-                            <a:noFill/>
-                          </a:ln>
-                          <a:solidFill>
-                            <a:schemeClr val="tx1"/>
-                          </a:solidFill>
-                          <a:effectLst/>
-                          <a:latin typeface="Arial" charset="0"/>
-                        </a:rPr>
-                        <a:t>1</a:t>
-                      </a:r>
-                      <a:endParaRPr kumimoji="0" lang="de-DE" sz="1700" b="1" i="0" u="none" strike="noStrike" cap="none" normalizeH="0" baseline="0" dirty="0" smtClean="0">
-                        <a:ln>
-                          <a:noFill/>
-                        </a:ln>
-                        <a:solidFill>
-                          <a:schemeClr val="tx1"/>
-                        </a:solidFill>
-                        <a:effectLst/>
-                        <a:latin typeface="Arial" charset="0"/>
-                      </a:endParaRPr>
                     </a:p>
                   </a:txBody>
                   <a:tcPr marL="0" marR="0" marT="0" marB="0" horzOverflow="overflow">
@@ -7815,31 +8288,8 @@
                           <a:effectLst/>
                           <a:latin typeface="Arial" charset="0"/>
                         </a:rPr>
-                        <a:t>Seite </a:t>
+                        <a:t>Seite a</a:t>
                       </a:r>
-                      <a:r>
-                        <a:rPr kumimoji="0" lang="de-DE" sz="1700" b="0" i="1" u="none" strike="noStrike" cap="none" normalizeH="0" baseline="0" dirty="0" smtClean="0">
-                          <a:ln>
-                            <a:noFill/>
-                          </a:ln>
-                          <a:solidFill>
-                            <a:schemeClr val="tx1"/>
-                          </a:solidFill>
-                          <a:effectLst/>
-                          <a:latin typeface="Arial" charset="0"/>
-                        </a:rPr>
-                        <a:t>a</a:t>
-                      </a:r>
-                      <a:endParaRPr kumimoji="0" lang="de-DE" sz="1700" b="0" i="1" u="none" strike="noStrike" cap="none" normalizeH="0" baseline="0" dirty="0" smtClean="0">
-                        <a:ln>
-                          <a:noFill/>
-                        </a:ln>
-                        <a:solidFill>
-                          <a:schemeClr val="tx1"/>
-                        </a:solidFill>
-                        <a:effectLst/>
-                        <a:latin typeface="Arial" charset="0"/>
-                      </a:endParaRPr>
                     </a:p>
                   </a:txBody>
                   <a:tcPr marL="0" marR="0" marT="0" marB="0" horzOverflow="overflow">
@@ -8162,16 +8612,6 @@
                         </a:rPr>
                         <a:t>Kapitel 3</a:t>
                       </a:r>
-                      <a:endParaRPr kumimoji="0" lang="de-DE" sz="1700" b="1" i="0" u="none" strike="noStrike" cap="none" normalizeH="0" baseline="0" dirty="0" smtClean="0">
-                        <a:ln>
-                          <a:noFill/>
-                        </a:ln>
-                        <a:solidFill>
-                          <a:schemeClr val="tx1"/>
-                        </a:solidFill>
-                        <a:effectLst/>
-                        <a:latin typeface="Arial" charset="0"/>
-                      </a:endParaRPr>
                     </a:p>
                   </a:txBody>
                   <a:tcPr marL="0" marR="0" marT="0" marB="0" horzOverflow="overflow">
@@ -8428,16 +8868,6 @@
                         </a:rPr>
                         <a:t>Kapitel 4</a:t>
                       </a:r>
-                      <a:endParaRPr kumimoji="0" lang="de-DE" sz="1700" b="1" i="0" u="none" strike="noStrike" cap="none" normalizeH="0" baseline="0" dirty="0" smtClean="0">
-                        <a:ln>
-                          <a:noFill/>
-                        </a:ln>
-                        <a:solidFill>
-                          <a:schemeClr val="tx1"/>
-                        </a:solidFill>
-                        <a:effectLst/>
-                        <a:latin typeface="Arial" charset="0"/>
-                      </a:endParaRPr>
                     </a:p>
                   </a:txBody>
                   <a:tcPr marL="0" marR="0" marT="0" marB="0" horzOverflow="overflow">
@@ -8536,16 +8966,6 @@
                         </a:rPr>
                         <a:t>Seite d</a:t>
                       </a:r>
-                      <a:endParaRPr kumimoji="0" lang="de-DE" sz="1700" b="0" i="1" u="none" strike="noStrike" cap="none" normalizeH="0" baseline="0" dirty="0" smtClean="0">
-                        <a:ln>
-                          <a:noFill/>
-                        </a:ln>
-                        <a:solidFill>
-                          <a:schemeClr val="tx1"/>
-                        </a:solidFill>
-                        <a:effectLst/>
-                        <a:latin typeface="Arial" charset="0"/>
-                      </a:endParaRPr>
                     </a:p>
                   </a:txBody>
                   <a:tcPr marL="0" marR="0" marT="0" marB="0" horzOverflow="overflow">
@@ -8657,30 +9077,22 @@
           <a:p>
             <a:r>
               <a:rPr lang="de-DE" dirty="0"/>
-              <a:t>Baby-</a:t>
-            </a:r>
-            <a:r>
-              <a:rPr lang="de-DE" dirty="0" err="1"/>
-              <a:t>Step</a:t>
+              <a:t>Elliptische </a:t>
+            </a:r>
+            <a:r>
+              <a:rPr lang="de-DE" dirty="0" smtClean="0"/>
+              <a:t>Kurven</a:t>
             </a:r>
             <a:r>
               <a:rPr lang="de-DE" dirty="0"/>
-              <a:t>-Giant-</a:t>
-            </a:r>
-            <a:r>
-              <a:rPr lang="de-DE" dirty="0" err="1"/>
-              <a:t>Step</a:t>
-            </a:r>
-            <a:r>
-              <a:rPr lang="de-DE" dirty="0"/>
-              <a:t>-Algorithmus</a:t>
+              <a:t/>
             </a:r>
             <a:br>
               <a:rPr lang="de-DE" dirty="0"/>
             </a:br>
             <a:r>
               <a:rPr lang="de-DE" sz="2400" b="0" i="1" dirty="0" smtClean="0"/>
-              <a:t>Fazit</a:t>
+              <a:t>Zusammenfassung</a:t>
             </a:r>
             <a:endParaRPr lang="de-DE" sz="2400" b="0" i="1" dirty="0"/>
           </a:p>
@@ -8698,7 +9110,7 @@
         </p:nvSpPr>
         <p:spPr>
           <a:xfrm>
-            <a:off x="512128" y="2138363"/>
+            <a:off x="522288" y="2138363"/>
             <a:ext cx="8856860" cy="4522787"/>
           </a:xfrm>
           <a:noFill/>
@@ -8711,6 +9123,88 @@
               <a:buFont typeface="Arial" panose="020B0604020202020204" pitchFamily="34" charset="0"/>
               <a:buChar char="•"/>
             </a:pPr>
+            <a:r>
+              <a:rPr lang="de-DE" dirty="0" smtClean="0"/>
+              <a:t>Mit </a:t>
+            </a:r>
+            <a:r>
+              <a:rPr lang="de-DE" dirty="0"/>
+              <a:t>bestimmte </a:t>
+            </a:r>
+            <a:r>
+              <a:rPr lang="de-DE" dirty="0" smtClean="0"/>
+              <a:t>Randbedingungen können Elliptischen </a:t>
+            </a:r>
+            <a:r>
+              <a:rPr lang="de-DE" dirty="0"/>
+              <a:t>Kurven </a:t>
+            </a:r>
+            <a:r>
+              <a:rPr lang="de-DE" dirty="0" smtClean="0"/>
+              <a:t>für Asymmetrische </a:t>
+            </a:r>
+            <a:r>
+              <a:rPr lang="de-DE" dirty="0"/>
+              <a:t>Verschlüsselung </a:t>
+            </a:r>
+            <a:r>
+              <a:rPr lang="de-DE" dirty="0" smtClean="0"/>
+              <a:t>eingesetzt werden</a:t>
+            </a:r>
+            <a:endParaRPr lang="de-DE" dirty="0"/>
+          </a:p>
+          <a:p>
+            <a:pPr marL="285750" indent="-285750">
+              <a:buFont typeface="Arial" panose="020B0604020202020204" pitchFamily="34" charset="0"/>
+              <a:buChar char="•"/>
+            </a:pPr>
+            <a:endParaRPr lang="de-DE" dirty="0" smtClean="0"/>
+          </a:p>
+          <a:p>
+            <a:pPr marL="285750" indent="-285750">
+              <a:buFont typeface="Arial" panose="020B0604020202020204" pitchFamily="34" charset="0"/>
+              <a:buChar char="•"/>
+            </a:pPr>
+            <a:r>
+              <a:rPr lang="de-DE" dirty="0"/>
+              <a:t>Schlüsselaustausch folgt dem Prinzip des Diffie-Hellman-Schlüsselaustausch</a:t>
+            </a:r>
+          </a:p>
+          <a:p>
+            <a:pPr marL="285750" indent="-285750">
+              <a:buFont typeface="Arial" panose="020B0604020202020204" pitchFamily="34" charset="0"/>
+              <a:buChar char="•"/>
+            </a:pPr>
+            <a:endParaRPr lang="de-DE" dirty="0" smtClean="0"/>
+          </a:p>
+          <a:p>
+            <a:pPr marL="285750" indent="-285750">
+              <a:buFont typeface="Arial" panose="020B0604020202020204" pitchFamily="34" charset="0"/>
+              <a:buChar char="•"/>
+            </a:pPr>
+            <a:r>
+              <a:rPr lang="de-DE" dirty="0" smtClean="0"/>
+              <a:t>Steigende Effizienz im </a:t>
+            </a:r>
+            <a:r>
+              <a:rPr lang="en-US" dirty="0" smtClean="0"/>
+              <a:t>Rechenaufwand und </a:t>
+            </a:r>
+            <a:r>
+              <a:rPr lang="en-US" dirty="0" err="1" smtClean="0"/>
+              <a:t>beim</a:t>
+            </a:r>
+            <a:r>
+              <a:rPr lang="en-US" dirty="0" smtClean="0"/>
+              <a:t> Speicherbedarf</a:t>
+            </a:r>
+            <a:endParaRPr lang="en-US" dirty="0"/>
+          </a:p>
+          <a:p>
+            <a:pPr marL="285750" indent="-285750">
+              <a:buFont typeface="Arial" panose="020B0604020202020204" pitchFamily="34" charset="0"/>
+              <a:buChar char="•"/>
+            </a:pPr>
             <a:endParaRPr lang="en-US" dirty="0"/>
           </a:p>
         </p:txBody>
@@ -8718,7 +9212,7 @@
     </p:spTree>
     <p:extLst>
       <p:ext uri="{BB962C8B-B14F-4D97-AF65-F5344CB8AC3E}">
-        <p14:creationId xmlns:p14="http://schemas.microsoft.com/office/powerpoint/2010/main" val="2526955022"/>
+        <p14:creationId xmlns:p14="http://schemas.microsoft.com/office/powerpoint/2010/main" val="3039909065"/>
       </p:ext>
     </p:extLst>
   </p:cSld>
@@ -8796,16 +9290,32 @@
           <a:lstStyle/>
           <a:p>
             <a:r>
-              <a:rPr lang="de-DE" dirty="0" smtClean="0"/>
-              <a:t>Ausblick</a:t>
-            </a:r>
-            <a:r>
               <a:rPr lang="de-DE" dirty="0"/>
-              <a:t/>
+              <a:t>Baby-</a:t>
+            </a:r>
+            <a:r>
+              <a:rPr lang="de-DE" dirty="0" err="1"/>
+              <a:t>Step</a:t>
+            </a:r>
+            <a:r>
+              <a:rPr lang="de-DE" dirty="0"/>
+              <a:t>-Giant-</a:t>
+            </a:r>
+            <a:r>
+              <a:rPr lang="de-DE" dirty="0" err="1"/>
+              <a:t>Step</a:t>
+            </a:r>
+            <a:r>
+              <a:rPr lang="de-DE" dirty="0"/>
+              <a:t>-Algorithmus</a:t>
             </a:r>
             <a:br>
               <a:rPr lang="de-DE" dirty="0"/>
             </a:br>
+            <a:r>
+              <a:rPr lang="de-DE" sz="2400" b="0" i="1" dirty="0" smtClean="0"/>
+              <a:t>Grundsätzliche Idee</a:t>
+            </a:r>
             <a:endParaRPr lang="de-DE" sz="2400" b="0" i="1" dirty="0"/>
           </a:p>
         </p:txBody>
@@ -8831,10 +9341,64 @@
           <a:bodyPr/>
           <a:lstStyle/>
           <a:p>
-            <a:pPr marL="285750" indent="-285750">
-              <a:buFont typeface="Arial" panose="020B0604020202020204" pitchFamily="34" charset="0"/>
-              <a:buChar char="•"/>
-            </a:pPr>
+            <a:r>
+              <a:rPr lang="en-US" dirty="0" err="1" smtClean="0"/>
+              <a:t>Ausgangsformel</a:t>
+            </a:r>
+            <a:r>
+              <a:rPr lang="en-US" dirty="0" smtClean="0"/>
+              <a:t>: y = </a:t>
+            </a:r>
+            <a:r>
+              <a:rPr lang="en-US" dirty="0" err="1" smtClean="0"/>
+              <a:t>g^x</a:t>
+            </a:r>
+            <a:r>
+              <a:rPr lang="en-US" dirty="0" smtClean="0"/>
+              <a:t> mod p</a:t>
+            </a:r>
+          </a:p>
+          <a:p>
+            <a:endParaRPr lang="en-US" dirty="0"/>
+          </a:p>
+          <a:p>
+            <a:r>
+              <a:rPr lang="de-DE" dirty="0" smtClean="0"/>
+              <a:t>Diskreter-Logarithmus-Formel: x = q . t + r          (  t € N  sodass t &gt;= Wurzel p-1 gilt)</a:t>
+            </a:r>
+          </a:p>
+          <a:p>
+            <a:endParaRPr lang="de-DE" dirty="0"/>
+          </a:p>
+          <a:p>
+            <a:r>
+              <a:rPr lang="de-DE" dirty="0" smtClean="0"/>
+              <a:t>Formel nach Umformung</a:t>
+            </a:r>
+          </a:p>
+          <a:p>
+            <a:r>
+              <a:rPr lang="de-DE" dirty="0" smtClean="0"/>
+              <a:t>y = </a:t>
+            </a:r>
+            <a:r>
+              <a:rPr lang="de-DE" dirty="0" err="1" smtClean="0"/>
+              <a:t>g^x</a:t>
+            </a:r>
+            <a:r>
+              <a:rPr lang="de-DE" dirty="0" smtClean="0"/>
+              <a:t> = g ^</a:t>
+            </a:r>
+            <a:r>
+              <a:rPr lang="de-DE" dirty="0" err="1" smtClean="0"/>
+              <a:t>q.t+r</a:t>
+            </a:r>
+            <a:r>
+              <a:rPr lang="de-DE" dirty="0" smtClean="0"/>
+              <a:t> &lt;&gt; y . g ^-r = g^q.t</a:t>
+            </a:r>
+          </a:p>
+          <a:p>
             <a:endParaRPr lang="en-US" dirty="0"/>
           </a:p>
         </p:txBody>
@@ -8842,7 +9406,7 @@
     </p:spTree>
     <p:extLst>
       <p:ext uri="{BB962C8B-B14F-4D97-AF65-F5344CB8AC3E}">
-        <p14:creationId xmlns:p14="http://schemas.microsoft.com/office/powerpoint/2010/main" val="3859067087"/>
+        <p14:creationId xmlns:p14="http://schemas.microsoft.com/office/powerpoint/2010/main" val="2746547658"/>
       </p:ext>
     </p:extLst>
   </p:cSld>
@@ -8878,7 +9442,7 @@
       </p:grpSpPr>
       <p:sp>
         <p:nvSpPr>
-          <p:cNvPr id="3" name="Foliennummernplatzhalter 2"/>
+          <p:cNvPr id="4" name="Foliennummernplatzhalter 3"/>
           <p:cNvSpPr>
             <a:spLocks noGrp="1"/>
           </p:cNvSpPr>
@@ -8892,21 +9456,21 @@
           <a:lstStyle/>
           <a:p>
             <a:r>
-              <a:rPr lang="de-DE"/>
+              <a:rPr lang="de-DE" dirty="0"/>
               <a:t>Seite </a:t>
             </a:r>
-            <a:fld id="{7C825A45-7494-4182-9A4A-AB4F72FEBB3C}" type="slidenum">
+            <a:fld id="{4CDCE16C-BB8B-41B6-BC70-61DAD202005A}" type="slidenum">
               <a:rPr lang="de-DE"/>
               <a:pPr/>
               <a:t>22</a:t>
             </a:fld>
-            <a:endParaRPr lang="de-DE"/>
+            <a:endParaRPr lang="de-DE" dirty="0"/>
           </a:p>
         </p:txBody>
       </p:sp>
       <p:sp>
         <p:nvSpPr>
-          <p:cNvPr id="33796" name="Rectangle 4"/>
+          <p:cNvPr id="9218" name="Rectangle 2"/>
           <p:cNvSpPr>
             <a:spLocks noGrp="1" noChangeArrowheads="1"/>
           </p:cNvSpPr>
@@ -8914,24 +9478,136 @@
             <p:ph type="title"/>
           </p:nvPr>
         </p:nvSpPr>
+        <p:spPr/>
+        <p:txBody>
+          <a:bodyPr/>
+          <a:lstStyle/>
+          <a:p>
+            <a:r>
+              <a:rPr lang="de-DE" dirty="0"/>
+              <a:t>Baby-</a:t>
+            </a:r>
+            <a:r>
+              <a:rPr lang="de-DE" dirty="0" err="1"/>
+              <a:t>Step</a:t>
+            </a:r>
+            <a:r>
+              <a:rPr lang="de-DE" dirty="0"/>
+              <a:t>-Giant-</a:t>
+            </a:r>
+            <a:r>
+              <a:rPr lang="de-DE" dirty="0" err="1"/>
+              <a:t>Step</a:t>
+            </a:r>
+            <a:r>
+              <a:rPr lang="de-DE" dirty="0"/>
+              <a:t>-Algorithmus</a:t>
+            </a:r>
+            <a:br>
+              <a:rPr lang="de-DE" dirty="0"/>
+            </a:br>
+            <a:r>
+              <a:rPr lang="de-DE" sz="2400" b="0" i="1" dirty="0" smtClean="0"/>
+              <a:t>Vorgehen</a:t>
+            </a:r>
+            <a:endParaRPr lang="de-DE" sz="2400" b="0" i="1" dirty="0"/>
+          </a:p>
+        </p:txBody>
+      </p:sp>
+      <p:sp>
+        <p:nvSpPr>
+          <p:cNvPr id="9219" name="Rectangle 3"/>
+          <p:cNvSpPr>
+            <a:spLocks noGrp="1" noChangeArrowheads="1"/>
+          </p:cNvSpPr>
+          <p:nvPr>
+            <p:ph type="body" idx="1"/>
+          </p:nvPr>
+        </p:nvSpPr>
         <p:spPr>
           <a:xfrm>
-            <a:off x="522288" y="2111375"/>
-            <a:ext cx="9648825" cy="949325"/>
+            <a:off x="512128" y="2138363"/>
+            <a:ext cx="8856860" cy="4522787"/>
           </a:xfrm>
+          <a:noFill/>
         </p:spPr>
         <p:txBody>
           <a:bodyPr/>
           <a:lstStyle/>
           <a:p>
-            <a:r>
-              <a:rPr lang="en-US"/>
-              <a:t>Vielen Dank für Ihre Aufmerksamkeit!</a:t>
-            </a:r>
+            <a:pPr marL="285750" indent="-285750">
+              <a:buFont typeface="Arial" panose="020B0604020202020204" pitchFamily="34" charset="0"/>
+              <a:buChar char="•"/>
+            </a:pPr>
+            <a:r>
+              <a:rPr lang="en-US" dirty="0" smtClean="0"/>
+              <a:t>Baby-Step-Formel:</a:t>
+            </a:r>
+          </a:p>
+          <a:p>
+            <a:pPr lvl="1" indent="0" algn="ctr">
+              <a:buNone/>
+            </a:pPr>
+            <a:r>
+              <a:rPr lang="en-US" dirty="0" smtClean="0"/>
+              <a:t>[Formel </a:t>
+            </a:r>
+            <a:r>
+              <a:rPr lang="en-US" dirty="0" err="1" smtClean="0"/>
+              <a:t>für</a:t>
+            </a:r>
+            <a:r>
+              <a:rPr lang="en-US" dirty="0" smtClean="0"/>
+              <a:t> Baby-Steps]</a:t>
+            </a:r>
+          </a:p>
+          <a:p>
+            <a:pPr lvl="1" indent="0" algn="ctr">
+              <a:buNone/>
+            </a:pPr>
+            <a:endParaRPr lang="en-US" dirty="0"/>
+          </a:p>
+          <a:p>
+            <a:pPr marL="285750" indent="-285750">
+              <a:buFont typeface="Arial" panose="020B0604020202020204" pitchFamily="34" charset="0"/>
+              <a:buChar char="•"/>
+            </a:pPr>
+            <a:r>
+              <a:rPr lang="en-US" dirty="0" smtClean="0"/>
+              <a:t>Giant-Step-Formel:</a:t>
+            </a:r>
+            <a:endParaRPr lang="en-US" dirty="0"/>
+          </a:p>
+          <a:p>
+            <a:pPr marL="0" lvl="1" indent="0" algn="ctr">
+              <a:buNone/>
+            </a:pPr>
+            <a:r>
+              <a:rPr lang="en-US" dirty="0"/>
+              <a:t>[Formel </a:t>
+            </a:r>
+            <a:r>
+              <a:rPr lang="en-US" dirty="0" err="1"/>
+              <a:t>für</a:t>
+            </a:r>
+            <a:r>
+              <a:rPr lang="en-US" dirty="0"/>
+              <a:t> </a:t>
+            </a:r>
+            <a:r>
+              <a:rPr lang="en-US" dirty="0" smtClean="0"/>
+              <a:t>Giant-Steps]</a:t>
+            </a:r>
+            <a:endParaRPr lang="en-US" dirty="0"/>
           </a:p>
         </p:txBody>
       </p:sp>
     </p:spTree>
+    <p:extLst>
+      <p:ext uri="{BB962C8B-B14F-4D97-AF65-F5344CB8AC3E}">
+        <p14:creationId xmlns:p14="http://schemas.microsoft.com/office/powerpoint/2010/main" val="3895237601"/>
+      </p:ext>
+    </p:extLst>
   </p:cSld>
   <p:clrMapOvr>
     <a:masterClrMapping/>
@@ -8965,6 +9641,357 @@
       </p:grpSpPr>
       <p:sp>
         <p:nvSpPr>
+          <p:cNvPr id="4" name="Foliennummernplatzhalter 3"/>
+          <p:cNvSpPr>
+            <a:spLocks noGrp="1"/>
+          </p:cNvSpPr>
+          <p:nvPr>
+            <p:ph type="sldNum" sz="quarter" idx="10"/>
+          </p:nvPr>
+        </p:nvSpPr>
+        <p:spPr/>
+        <p:txBody>
+          <a:bodyPr/>
+          <a:lstStyle/>
+          <a:p>
+            <a:r>
+              <a:rPr lang="de-DE" dirty="0"/>
+              <a:t>Seite </a:t>
+            </a:r>
+            <a:fld id="{4CDCE16C-BB8B-41B6-BC70-61DAD202005A}" type="slidenum">
+              <a:rPr lang="de-DE"/>
+              <a:pPr/>
+              <a:t>23</a:t>
+            </a:fld>
+            <a:endParaRPr lang="de-DE" dirty="0"/>
+          </a:p>
+        </p:txBody>
+      </p:sp>
+      <p:sp>
+        <p:nvSpPr>
+          <p:cNvPr id="9218" name="Rectangle 2"/>
+          <p:cNvSpPr>
+            <a:spLocks noGrp="1" noChangeArrowheads="1"/>
+          </p:cNvSpPr>
+          <p:nvPr>
+            <p:ph type="title"/>
+          </p:nvPr>
+        </p:nvSpPr>
+        <p:spPr/>
+        <p:txBody>
+          <a:bodyPr/>
+          <a:lstStyle/>
+          <a:p>
+            <a:r>
+              <a:rPr lang="de-DE" dirty="0"/>
+              <a:t>Baby-</a:t>
+            </a:r>
+            <a:r>
+              <a:rPr lang="de-DE" dirty="0" err="1"/>
+              <a:t>Step</a:t>
+            </a:r>
+            <a:r>
+              <a:rPr lang="de-DE" dirty="0"/>
+              <a:t>-Giant-</a:t>
+            </a:r>
+            <a:r>
+              <a:rPr lang="de-DE" dirty="0" err="1"/>
+              <a:t>Step</a:t>
+            </a:r>
+            <a:r>
+              <a:rPr lang="de-DE" dirty="0"/>
+              <a:t>-Algorithmus</a:t>
+            </a:r>
+            <a:br>
+              <a:rPr lang="de-DE" dirty="0"/>
+            </a:br>
+            <a:r>
+              <a:rPr lang="de-DE" sz="2400" b="0" i="1" dirty="0" smtClean="0"/>
+              <a:t>Fazit</a:t>
+            </a:r>
+            <a:endParaRPr lang="de-DE" sz="2400" b="0" i="1" dirty="0"/>
+          </a:p>
+        </p:txBody>
+      </p:sp>
+      <p:sp>
+        <p:nvSpPr>
+          <p:cNvPr id="9219" name="Rectangle 3"/>
+          <p:cNvSpPr>
+            <a:spLocks noGrp="1" noChangeArrowheads="1"/>
+          </p:cNvSpPr>
+          <p:nvPr>
+            <p:ph type="body" idx="1"/>
+          </p:nvPr>
+        </p:nvSpPr>
+        <p:spPr>
+          <a:xfrm>
+            <a:off x="512128" y="2138363"/>
+            <a:ext cx="8856860" cy="4522787"/>
+          </a:xfrm>
+          <a:noFill/>
+        </p:spPr>
+        <p:txBody>
+          <a:bodyPr/>
+          <a:lstStyle/>
+          <a:p>
+            <a:pPr marL="285750" indent="-285750">
+              <a:buFont typeface="Arial" panose="020B0604020202020204" pitchFamily="34" charset="0"/>
+              <a:buChar char="•"/>
+            </a:pPr>
+            <a:endParaRPr lang="en-US" dirty="0"/>
+          </a:p>
+        </p:txBody>
+      </p:sp>
+    </p:spTree>
+    <p:extLst>
+      <p:ext uri="{BB962C8B-B14F-4D97-AF65-F5344CB8AC3E}">
+        <p14:creationId xmlns:p14="http://schemas.microsoft.com/office/powerpoint/2010/main" val="2526955022"/>
+      </p:ext>
+    </p:extLst>
+  </p:cSld>
+  <p:clrMapOvr>
+    <a:masterClrMapping/>
+  </p:clrMapOvr>
+  <p:timing>
+    <p:tnLst>
+      <p:par>
+        <p:cTn id="1" dur="indefinite" restart="never" nodeType="tmRoot"/>
+      </p:par>
+    </p:tnLst>
+  </p:timing>
+</p:sld>
+</file>
+
+<file path=ppt/slides/slide24.xml><?xml version="1.0" encoding="utf-8"?>
+<p:sld xmlns:a="http://schemas.openxmlformats.org/drawingml/2006/main" xmlns:r="http://schemas.openxmlformats.org/officeDocument/2006/relationships" xmlns:p="http://schemas.openxmlformats.org/presentationml/2006/main">
+  <p:cSld>
+    <p:spTree>
+      <p:nvGrpSpPr>
+        <p:cNvPr id="1" name=""/>
+        <p:cNvGrpSpPr/>
+        <p:nvPr/>
+      </p:nvGrpSpPr>
+      <p:grpSpPr>
+        <a:xfrm>
+          <a:off x="0" y="0"/>
+          <a:ext cx="0" cy="0"/>
+          <a:chOff x="0" y="0"/>
+          <a:chExt cx="0" cy="0"/>
+        </a:xfrm>
+      </p:grpSpPr>
+      <p:sp>
+        <p:nvSpPr>
+          <p:cNvPr id="4" name="Foliennummernplatzhalter 3"/>
+          <p:cNvSpPr>
+            <a:spLocks noGrp="1"/>
+          </p:cNvSpPr>
+          <p:nvPr>
+            <p:ph type="sldNum" sz="quarter" idx="10"/>
+          </p:nvPr>
+        </p:nvSpPr>
+        <p:spPr/>
+        <p:txBody>
+          <a:bodyPr/>
+          <a:lstStyle/>
+          <a:p>
+            <a:r>
+              <a:rPr lang="de-DE" dirty="0"/>
+              <a:t>Seite </a:t>
+            </a:r>
+            <a:fld id="{4CDCE16C-BB8B-41B6-BC70-61DAD202005A}" type="slidenum">
+              <a:rPr lang="de-DE"/>
+              <a:pPr/>
+              <a:t>24</a:t>
+            </a:fld>
+            <a:endParaRPr lang="de-DE" dirty="0"/>
+          </a:p>
+        </p:txBody>
+      </p:sp>
+      <p:sp>
+        <p:nvSpPr>
+          <p:cNvPr id="9218" name="Rectangle 2"/>
+          <p:cNvSpPr>
+            <a:spLocks noGrp="1" noChangeArrowheads="1"/>
+          </p:cNvSpPr>
+          <p:nvPr>
+            <p:ph type="title"/>
+          </p:nvPr>
+        </p:nvSpPr>
+        <p:spPr/>
+        <p:txBody>
+          <a:bodyPr/>
+          <a:lstStyle/>
+          <a:p>
+            <a:r>
+              <a:rPr lang="de-DE" dirty="0" smtClean="0"/>
+              <a:t>Ausblick</a:t>
+            </a:r>
+            <a:r>
+              <a:rPr lang="de-DE" dirty="0"/>
+              <a:t/>
+            </a:r>
+            <a:br>
+              <a:rPr lang="de-DE" dirty="0"/>
+            </a:br>
+            <a:endParaRPr lang="de-DE" sz="2400" b="0" i="1" dirty="0"/>
+          </a:p>
+        </p:txBody>
+      </p:sp>
+      <p:sp>
+        <p:nvSpPr>
+          <p:cNvPr id="9219" name="Rectangle 3"/>
+          <p:cNvSpPr>
+            <a:spLocks noGrp="1" noChangeArrowheads="1"/>
+          </p:cNvSpPr>
+          <p:nvPr>
+            <p:ph type="body" idx="1"/>
+          </p:nvPr>
+        </p:nvSpPr>
+        <p:spPr>
+          <a:xfrm>
+            <a:off x="512128" y="2138363"/>
+            <a:ext cx="8856860" cy="4522787"/>
+          </a:xfrm>
+          <a:noFill/>
+        </p:spPr>
+        <p:txBody>
+          <a:bodyPr/>
+          <a:lstStyle/>
+          <a:p>
+            <a:pPr marL="285750" indent="-285750">
+              <a:buFont typeface="Arial" panose="020B0604020202020204" pitchFamily="34" charset="0"/>
+              <a:buChar char="•"/>
+            </a:pPr>
+            <a:endParaRPr lang="en-US" dirty="0"/>
+          </a:p>
+        </p:txBody>
+      </p:sp>
+    </p:spTree>
+    <p:extLst>
+      <p:ext uri="{BB962C8B-B14F-4D97-AF65-F5344CB8AC3E}">
+        <p14:creationId xmlns:p14="http://schemas.microsoft.com/office/powerpoint/2010/main" val="3859067087"/>
+      </p:ext>
+    </p:extLst>
+  </p:cSld>
+  <p:clrMapOvr>
+    <a:masterClrMapping/>
+  </p:clrMapOvr>
+  <p:timing>
+    <p:tnLst>
+      <p:par>
+        <p:cTn id="1" dur="indefinite" restart="never" nodeType="tmRoot"/>
+      </p:par>
+    </p:tnLst>
+  </p:timing>
+</p:sld>
+</file>
+
+<file path=ppt/slides/slide25.xml><?xml version="1.0" encoding="utf-8"?>
+<p:sld xmlns:a="http://schemas.openxmlformats.org/drawingml/2006/main" xmlns:r="http://schemas.openxmlformats.org/officeDocument/2006/relationships" xmlns:p="http://schemas.openxmlformats.org/presentationml/2006/main">
+  <p:cSld>
+    <p:spTree>
+      <p:nvGrpSpPr>
+        <p:cNvPr id="1" name=""/>
+        <p:cNvGrpSpPr/>
+        <p:nvPr/>
+      </p:nvGrpSpPr>
+      <p:grpSpPr>
+        <a:xfrm>
+          <a:off x="0" y="0"/>
+          <a:ext cx="0" cy="0"/>
+          <a:chOff x="0" y="0"/>
+          <a:chExt cx="0" cy="0"/>
+        </a:xfrm>
+      </p:grpSpPr>
+      <p:sp>
+        <p:nvSpPr>
+          <p:cNvPr id="3" name="Foliennummernplatzhalter 2"/>
+          <p:cNvSpPr>
+            <a:spLocks noGrp="1"/>
+          </p:cNvSpPr>
+          <p:nvPr>
+            <p:ph type="sldNum" sz="quarter" idx="10"/>
+          </p:nvPr>
+        </p:nvSpPr>
+        <p:spPr/>
+        <p:txBody>
+          <a:bodyPr/>
+          <a:lstStyle/>
+          <a:p>
+            <a:r>
+              <a:rPr lang="de-DE"/>
+              <a:t>Seite </a:t>
+            </a:r>
+            <a:fld id="{7C825A45-7494-4182-9A4A-AB4F72FEBB3C}" type="slidenum">
+              <a:rPr lang="de-DE"/>
+              <a:pPr/>
+              <a:t>25</a:t>
+            </a:fld>
+            <a:endParaRPr lang="de-DE"/>
+          </a:p>
+        </p:txBody>
+      </p:sp>
+      <p:sp>
+        <p:nvSpPr>
+          <p:cNvPr id="33796" name="Rectangle 4"/>
+          <p:cNvSpPr>
+            <a:spLocks noGrp="1" noChangeArrowheads="1"/>
+          </p:cNvSpPr>
+          <p:nvPr>
+            <p:ph type="title"/>
+          </p:nvPr>
+        </p:nvSpPr>
+        <p:spPr>
+          <a:xfrm>
+            <a:off x="522288" y="2111375"/>
+            <a:ext cx="9648825" cy="949325"/>
+          </a:xfrm>
+        </p:spPr>
+        <p:txBody>
+          <a:bodyPr/>
+          <a:lstStyle/>
+          <a:p>
+            <a:r>
+              <a:rPr lang="en-US"/>
+              <a:t>Vielen Dank für Ihre Aufmerksamkeit!</a:t>
+            </a:r>
+          </a:p>
+        </p:txBody>
+      </p:sp>
+    </p:spTree>
+  </p:cSld>
+  <p:clrMapOvr>
+    <a:masterClrMapping/>
+  </p:clrMapOvr>
+  <p:timing>
+    <p:tnLst>
+      <p:par>
+        <p:cTn id="1" dur="indefinite" restart="never" nodeType="tmRoot"/>
+      </p:par>
+    </p:tnLst>
+  </p:timing>
+</p:sld>
+</file>
+
+<file path=ppt/slides/slide26.xml><?xml version="1.0" encoding="utf-8"?>
+<p:sld xmlns:a="http://schemas.openxmlformats.org/drawingml/2006/main" xmlns:r="http://schemas.openxmlformats.org/officeDocument/2006/relationships" xmlns:p="http://schemas.openxmlformats.org/presentationml/2006/main">
+  <p:cSld>
+    <p:spTree>
+      <p:nvGrpSpPr>
+        <p:cNvPr id="1" name=""/>
+        <p:cNvGrpSpPr/>
+        <p:nvPr/>
+      </p:nvGrpSpPr>
+      <p:grpSpPr>
+        <a:xfrm>
+          <a:off x="0" y="0"/>
+          <a:ext cx="0" cy="0"/>
+          <a:chOff x="0" y="0"/>
+          <a:chExt cx="0" cy="0"/>
+        </a:xfrm>
+      </p:grpSpPr>
+      <p:sp>
+        <p:nvSpPr>
           <p:cNvPr id="9218" name="Rectangle 2"/>
           <p:cNvSpPr>
             <a:spLocks noGrp="1" noChangeArrowheads="1"/>
@@ -9055,7 +10082,7 @@
             <a:fld id="{4CDCE16C-BB8B-41B6-BC70-61DAD202005A}" type="slidenum">
               <a:rPr lang="de-DE"/>
               <a:pPr/>
-              <a:t>23</a:t>
+              <a:t>26</a:t>
             </a:fld>
             <a:endParaRPr lang="de-DE" dirty="0"/>
           </a:p>
@@ -9373,8 +10400,8 @@
           <a:chExt cx="0" cy="0"/>
         </a:xfrm>
       </p:grpSpPr>
-      <mc:AlternateContent xmlns:mc="http://schemas.openxmlformats.org/markup-compatibility/2006">
-        <mc:Choice xmlns:a14="http://schemas.microsoft.com/office/drawing/2010/main" Requires="a14">
+      <mc:AlternateContent xmlns:mc="http://schemas.openxmlformats.org/markup-compatibility/2006" xmlns:a14="http://schemas.microsoft.com/office/drawing/2010/main">
+        <mc:Choice Requires="a14">
           <p:sp>
             <p:nvSpPr>
               <p:cNvPr id="2" name="Titel 1"/>
@@ -9436,7 +10463,7 @@
             </p:txBody>
           </p:sp>
         </mc:Choice>
-        <mc:Fallback>
+        <mc:Fallback xmlns="">
           <p:sp>
             <p:nvSpPr>
               <p:cNvPr id="2" name="Titel 1"/>
@@ -9470,8 +10497,8 @@
           </p:sp>
         </mc:Fallback>
       </mc:AlternateContent>
-      <mc:AlternateContent xmlns:mc="http://schemas.openxmlformats.org/markup-compatibility/2006">
-        <mc:Choice xmlns:a14="http://schemas.microsoft.com/office/drawing/2010/main" Requires="a14">
+      <mc:AlternateContent xmlns:mc="http://schemas.openxmlformats.org/markup-compatibility/2006" xmlns:a14="http://schemas.microsoft.com/office/drawing/2010/main">
+        <mc:Choice Requires="a14">
           <p:sp>
             <p:nvSpPr>
               <p:cNvPr id="3" name="Inhaltsplatzhalter 2"/>
@@ -9619,43 +10646,43 @@
                   <m:oMath xmlns:m="http://schemas.openxmlformats.org/officeDocument/2006/math">
                     <m:r>
                       <a:rPr lang="de-DE" b="0" i="1" smtClean="0">
-                        <a:latin typeface="+mj-lt"/>
+                        <a:latin typeface="Cambria Math" panose="02040503050406030204" pitchFamily="18" charset="0"/>
                       </a:rPr>
                       <m:t>𝑎</m:t>
                     </m:r>
                     <m:r>
                       <a:rPr lang="de-DE" b="0" i="1" smtClean="0">
-                        <a:latin typeface="+mj-lt"/>
+                        <a:latin typeface="Cambria Math" panose="02040503050406030204" pitchFamily="18" charset="0"/>
                       </a:rPr>
                       <m:t> ≡ </m:t>
                     </m:r>
                     <m:r>
                       <a:rPr lang="de-DE" b="0" i="1" smtClean="0">
-                        <a:latin typeface="+mj-lt"/>
+                        <a:latin typeface="Cambria Math" panose="02040503050406030204" pitchFamily="18" charset="0"/>
                       </a:rPr>
                       <m:t>𝑏</m:t>
                     </m:r>
                     <m:r>
                       <a:rPr lang="de-DE" b="0" i="1" smtClean="0">
-                        <a:latin typeface="+mj-lt"/>
+                        <a:latin typeface="Cambria Math" panose="02040503050406030204" pitchFamily="18" charset="0"/>
                       </a:rPr>
                       <m:t> </m:t>
                     </m:r>
                     <m:r>
                       <a:rPr lang="de-DE" b="0" i="1" smtClean="0">
-                        <a:latin typeface="+mj-lt"/>
+                        <a:latin typeface="Cambria Math" panose="02040503050406030204" pitchFamily="18" charset="0"/>
                       </a:rPr>
                       <m:t>𝑚𝑜𝑑</m:t>
                     </m:r>
                     <m:r>
                       <a:rPr lang="de-DE" b="0" i="1" smtClean="0">
-                        <a:latin typeface="+mj-lt"/>
+                        <a:latin typeface="Cambria Math" panose="02040503050406030204" pitchFamily="18" charset="0"/>
                       </a:rPr>
                       <m:t> </m:t>
                     </m:r>
                     <m:r>
                       <a:rPr lang="de-DE" b="0" i="1" smtClean="0">
-                        <a:latin typeface="+mj-lt"/>
+                        <a:latin typeface="Cambria Math" panose="02040503050406030204" pitchFamily="18" charset="0"/>
                       </a:rPr>
                       <m:t>𝑚</m:t>
                     </m:r>
@@ -9731,7 +10758,7 @@
                     <m:d>
                       <m:dPr>
                         <m:ctrlPr>
-                          <a:rPr lang="de-DE" b="0" i="0" smtClean="0">
+                          <a:rPr lang="de-DE" b="0" i="1" smtClean="0">
                             <a:latin typeface="Cambria Math" panose="02040503050406030204" pitchFamily="18" charset="0"/>
                           </a:rPr>
                         </m:ctrlPr>
@@ -10202,7 +11229,7 @@
             </p:txBody>
           </p:sp>
         </mc:Choice>
-        <mc:Fallback>
+        <mc:Fallback xmlns="">
           <p:sp>
             <p:nvSpPr>
               <p:cNvPr id="3" name="Inhaltsplatzhalter 2"/>
@@ -10342,8 +11369,8 @@
           </a:p>
         </p:txBody>
       </p:sp>
-      <mc:AlternateContent xmlns:mc="http://schemas.openxmlformats.org/markup-compatibility/2006">
-        <mc:Choice xmlns:a14="http://schemas.microsoft.com/office/drawing/2010/main" Requires="a14">
+      <mc:AlternateContent xmlns:mc="http://schemas.openxmlformats.org/markup-compatibility/2006" xmlns:a14="http://schemas.microsoft.com/office/drawing/2010/main">
+        <mc:Choice Requires="a14">
           <p:sp>
             <p:nvSpPr>
               <p:cNvPr id="3" name="Inhaltsplatzhalter 2"/>
@@ -11289,7 +12316,7 @@
             </p:txBody>
           </p:sp>
         </mc:Choice>
-        <mc:Fallback>
+        <mc:Fallback xmlns="">
           <p:sp>
             <p:nvSpPr>
               <p:cNvPr id="3" name="Inhaltsplatzhalter 2"/>
@@ -11429,8 +12456,8 @@
           </a:p>
         </p:txBody>
       </p:sp>
-      <mc:AlternateContent xmlns:mc="http://schemas.openxmlformats.org/markup-compatibility/2006">
-        <mc:Choice xmlns:a14="http://schemas.microsoft.com/office/drawing/2010/main" Requires="a14">
+      <mc:AlternateContent xmlns:mc="http://schemas.openxmlformats.org/markup-compatibility/2006" xmlns:a14="http://schemas.microsoft.com/office/drawing/2010/main">
+        <mc:Choice Requires="a14">
           <p:sp>
             <p:nvSpPr>
               <p:cNvPr id="3" name="Inhaltsplatzhalter 2"/>
@@ -11939,7 +12966,7 @@
             </p:txBody>
           </p:sp>
         </mc:Choice>
-        <mc:Fallback>
+        <mc:Fallback xmlns="">
           <p:sp>
             <p:nvSpPr>
               <p:cNvPr id="3" name="Inhaltsplatzhalter 2"/>
@@ -12079,8 +13106,8 @@
           </a:p>
         </p:txBody>
       </p:sp>
-      <mc:AlternateContent xmlns:mc="http://schemas.openxmlformats.org/markup-compatibility/2006">
-        <mc:Choice xmlns:a14="http://schemas.microsoft.com/office/drawing/2010/main" Requires="a14">
+      <mc:AlternateContent xmlns:mc="http://schemas.openxmlformats.org/markup-compatibility/2006" xmlns:a14="http://schemas.microsoft.com/office/drawing/2010/main">
+        <mc:Choice Requires="a14">
           <p:sp>
             <p:nvSpPr>
               <p:cNvPr id="3" name="Inhaltsplatzhalter 2"/>
@@ -12102,6 +13129,7 @@
                 </a:r>
               </a:p>
               <a:p>
+                <a:pPr/>
                 <a14:m>
                   <m:oMathPara xmlns:m="http://schemas.openxmlformats.org/officeDocument/2006/math">
                     <m:oMathParaPr>
@@ -12254,6 +13282,7 @@
                 </a:r>
               </a:p>
               <a:p>
+                <a:pPr/>
                 <a14:m>
                   <m:oMathPara xmlns:m="http://schemas.openxmlformats.org/officeDocument/2006/math">
                     <m:oMathParaPr>
@@ -12357,6 +13386,7 @@
                 </a:r>
               </a:p>
               <a:p>
+                <a:pPr/>
                 <a14:m>
                   <m:oMathPara xmlns:m="http://schemas.openxmlformats.org/officeDocument/2006/math">
                     <m:oMathParaPr>
@@ -12488,7 +13518,7 @@
             </p:txBody>
           </p:sp>
         </mc:Choice>
-        <mc:Fallback>
+        <mc:Fallback xmlns="">
           <p:sp>
             <p:nvSpPr>
               <p:cNvPr id="3" name="Inhaltsplatzhalter 2"/>
@@ -12624,8 +13654,8 @@
           </a:p>
         </p:txBody>
       </p:sp>
-      <mc:AlternateContent xmlns:mc="http://schemas.openxmlformats.org/markup-compatibility/2006">
-        <mc:Choice xmlns:a14="http://schemas.microsoft.com/office/drawing/2010/main" Requires="a14">
+      <mc:AlternateContent xmlns:mc="http://schemas.openxmlformats.org/markup-compatibility/2006" xmlns:a14="http://schemas.microsoft.com/office/drawing/2010/main">
+        <mc:Choice Requires="a14">
           <p:sp>
             <p:nvSpPr>
               <p:cNvPr id="3" name="Inhaltsplatzhalter 2"/>
@@ -13012,7 +14042,7 @@
             </p:txBody>
           </p:sp>
         </mc:Choice>
-        <mc:Fallback>
+        <mc:Fallback xmlns="">
           <p:sp>
             <p:nvSpPr>
               <p:cNvPr id="3" name="Inhaltsplatzhalter 2"/>
